--- a/files/teaching-resources/monmouthcollege-econ-300/ECON300-LEC23.pptx
+++ b/files/teaching-resources/monmouthcollege-econ-300/ECON300-LEC23.pptx
@@ -5,7 +5,7 @@
     <p:sldMasterId id="2147483720" r:id="rId1"/>
   </p:sldMasterIdLst>
   <p:notesMasterIdLst>
-    <p:notesMasterId r:id="rId37"/>
+    <p:notesMasterId r:id="rId36"/>
   </p:notesMasterIdLst>
   <p:sldIdLst>
     <p:sldId id="256" r:id="rId2"/>
@@ -19,30 +19,29 @@
     <p:sldId id="271" r:id="rId10"/>
     <p:sldId id="272" r:id="rId11"/>
     <p:sldId id="267" r:id="rId12"/>
-    <p:sldId id="257" r:id="rId13"/>
-    <p:sldId id="273" r:id="rId14"/>
-    <p:sldId id="274" r:id="rId15"/>
-    <p:sldId id="275" r:id="rId16"/>
-    <p:sldId id="269" r:id="rId17"/>
-    <p:sldId id="276" r:id="rId18"/>
-    <p:sldId id="277" r:id="rId19"/>
-    <p:sldId id="278" r:id="rId20"/>
-    <p:sldId id="279" r:id="rId21"/>
-    <p:sldId id="280" r:id="rId22"/>
-    <p:sldId id="282" r:id="rId23"/>
-    <p:sldId id="283" r:id="rId24"/>
-    <p:sldId id="285" r:id="rId25"/>
-    <p:sldId id="284" r:id="rId26"/>
-    <p:sldId id="296" r:id="rId27"/>
-    <p:sldId id="286" r:id="rId28"/>
-    <p:sldId id="287" r:id="rId29"/>
-    <p:sldId id="288" r:id="rId30"/>
-    <p:sldId id="289" r:id="rId31"/>
-    <p:sldId id="290" r:id="rId32"/>
-    <p:sldId id="291" r:id="rId33"/>
-    <p:sldId id="293" r:id="rId34"/>
-    <p:sldId id="294" r:id="rId35"/>
-    <p:sldId id="295" r:id="rId36"/>
+    <p:sldId id="273" r:id="rId13"/>
+    <p:sldId id="274" r:id="rId14"/>
+    <p:sldId id="275" r:id="rId15"/>
+    <p:sldId id="269" r:id="rId16"/>
+    <p:sldId id="276" r:id="rId17"/>
+    <p:sldId id="277" r:id="rId18"/>
+    <p:sldId id="278" r:id="rId19"/>
+    <p:sldId id="279" r:id="rId20"/>
+    <p:sldId id="280" r:id="rId21"/>
+    <p:sldId id="282" r:id="rId22"/>
+    <p:sldId id="283" r:id="rId23"/>
+    <p:sldId id="285" r:id="rId24"/>
+    <p:sldId id="284" r:id="rId25"/>
+    <p:sldId id="296" r:id="rId26"/>
+    <p:sldId id="286" r:id="rId27"/>
+    <p:sldId id="287" r:id="rId28"/>
+    <p:sldId id="288" r:id="rId29"/>
+    <p:sldId id="289" r:id="rId30"/>
+    <p:sldId id="290" r:id="rId31"/>
+    <p:sldId id="291" r:id="rId32"/>
+    <p:sldId id="293" r:id="rId33"/>
+    <p:sldId id="294" r:id="rId34"/>
+    <p:sldId id="295" r:id="rId35"/>
   </p:sldIdLst>
   <p:sldSz cx="9144000" cy="6858000" type="screen4x3"/>
   <p:notesSz cx="6858000" cy="9144000"/>
@@ -231,7 +230,7 @@
           <a:p>
             <a:fld id="{0E0A6441-4E79-42FF-805B-86C90BDFD38D}" type="datetimeFigureOut">
               <a:rPr lang="en-US" smtClean="0"/>
-              <a:t>11/19/2023</a:t>
+              <a:t>11/22/2023</a:t>
             </a:fld>
             <a:endParaRPr lang="en-US" dirty="0"/>
           </a:p>
@@ -5903,494 +5902,6 @@
             </a:r>
           </a:p>
           <a:p>
-            <a:pPr lvl="3"/>
-            <a:endParaRPr lang="en-US" dirty="0"/>
-          </a:p>
-          <a:p>
-            <a:r>
-              <a:rPr lang="en-US" dirty="0"/>
-              <a:t>Previously, we determined the equilibrium as a point where “firms are doing the best they can, and have no reason to change their price or output.”</a:t>
-            </a:r>
-          </a:p>
-          <a:p>
-            <a:pPr lvl="3"/>
-            <a:endParaRPr lang="en-US" dirty="0"/>
-          </a:p>
-          <a:p>
-            <a:r>
-              <a:rPr lang="en-US" dirty="0"/>
-              <a:t>In an oligopoly, one firm’s actions will affect the market. </a:t>
-            </a:r>
-          </a:p>
-          <a:p>
-            <a:pPr lvl="3"/>
-            <a:endParaRPr lang="en-US" dirty="0"/>
-          </a:p>
-          <a:p>
-            <a:r>
-              <a:rPr lang="en-US" dirty="0"/>
-              <a:t>For instance, in a two-firm oligopoly, if one firm suddenly increases their output, the demand curve that other firm faces shifts to the left.</a:t>
-            </a:r>
-          </a:p>
-          <a:p>
-            <a:pPr lvl="3"/>
-            <a:endParaRPr lang="en-US" dirty="0"/>
-          </a:p>
-        </p:txBody>
-      </p:sp>
-      <p:sp>
-        <p:nvSpPr>
-          <p:cNvPr id="4" name="Date Placeholder 3">
-            <a:extLst>
-              <a:ext uri="{FF2B5EF4-FFF2-40B4-BE49-F238E27FC236}">
-                <a16:creationId xmlns:a16="http://schemas.microsoft.com/office/drawing/2014/main" id="{6416C1B3-AD2F-94ED-08FE-73EB9D9394AA}"/>
-              </a:ext>
-            </a:extLst>
-          </p:cNvPr>
-          <p:cNvSpPr>
-            <a:spLocks noGrp="1"/>
-          </p:cNvSpPr>
-          <p:nvPr>
-            <p:ph type="dt" sz="half" idx="10"/>
-          </p:nvPr>
-        </p:nvSpPr>
-        <p:spPr/>
-        <p:txBody>
-          <a:bodyPr/>
-          <a:lstStyle/>
-          <a:p>
-            <a:r>
-              <a:rPr lang="en-US"/>
-              <a:t>Fall 2023</a:t>
-            </a:r>
-            <a:endParaRPr lang="en-US" dirty="0"/>
-          </a:p>
-        </p:txBody>
-      </p:sp>
-      <p:sp>
-        <p:nvSpPr>
-          <p:cNvPr id="5" name="Footer Placeholder 4">
-            <a:extLst>
-              <a:ext uri="{FF2B5EF4-FFF2-40B4-BE49-F238E27FC236}">
-                <a16:creationId xmlns:a16="http://schemas.microsoft.com/office/drawing/2014/main" id="{6A3B92C5-753A-31FD-4325-D265D2C9AFE6}"/>
-              </a:ext>
-            </a:extLst>
-          </p:cNvPr>
-          <p:cNvSpPr>
-            <a:spLocks noGrp="1"/>
-          </p:cNvSpPr>
-          <p:nvPr>
-            <p:ph type="ftr" sz="quarter" idx="11"/>
-          </p:nvPr>
-        </p:nvSpPr>
-        <p:spPr/>
-        <p:txBody>
-          <a:bodyPr/>
-          <a:lstStyle/>
-          <a:p>
-            <a:r>
-              <a:rPr lang="en-US"/>
-              <a:t>DEPARTMENT OF BUSINESS &amp; ECONOMICS</a:t>
-            </a:r>
-            <a:endParaRPr lang="en-US" dirty="0"/>
-          </a:p>
-        </p:txBody>
-      </p:sp>
-      <p:sp>
-        <p:nvSpPr>
-          <p:cNvPr id="6" name="Slide Number Placeholder 5">
-            <a:extLst>
-              <a:ext uri="{FF2B5EF4-FFF2-40B4-BE49-F238E27FC236}">
-                <a16:creationId xmlns:a16="http://schemas.microsoft.com/office/drawing/2014/main" id="{7012C691-6ADD-ED94-3DA2-905038385B1B}"/>
-              </a:ext>
-            </a:extLst>
-          </p:cNvPr>
-          <p:cNvSpPr>
-            <a:spLocks noGrp="1"/>
-          </p:cNvSpPr>
-          <p:nvPr>
-            <p:ph type="sldNum" sz="quarter" idx="12"/>
-          </p:nvPr>
-        </p:nvSpPr>
-        <p:spPr/>
-        <p:txBody>
-          <a:bodyPr/>
-          <a:lstStyle/>
-          <a:p>
-            <a:fld id="{1A980C56-831A-4EAB-9EDE-57C090F4F877}" type="slidenum">
-              <a:rPr lang="en-US" smtClean="0"/>
-              <a:t>12</a:t>
-            </a:fld>
-            <a:endParaRPr lang="en-US" dirty="0"/>
-          </a:p>
-        </p:txBody>
-      </p:sp>
-    </p:spTree>
-    <p:extLst>
-      <p:ext uri="{BB962C8B-B14F-4D97-AF65-F5344CB8AC3E}">
-        <p14:creationId xmlns:p14="http://schemas.microsoft.com/office/powerpoint/2010/main" val="2634701952"/>
-      </p:ext>
-    </p:extLst>
-  </p:cSld>
-  <p:clrMapOvr>
-    <a:masterClrMapping/>
-  </p:clrMapOvr>
-  <p:timing>
-    <p:tnLst>
-      <p:par>
-        <p:cTn id="1" dur="indefinite" restart="never" nodeType="tmRoot">
-          <p:childTnLst>
-            <p:seq concurrent="1" nextAc="seek">
-              <p:cTn id="2" dur="indefinite" nodeType="mainSeq">
-                <p:childTnLst>
-                  <p:par>
-                    <p:cTn id="3" fill="hold">
-                      <p:stCondLst>
-                        <p:cond delay="indefinite"/>
-                      </p:stCondLst>
-                      <p:childTnLst>
-                        <p:par>
-                          <p:cTn id="4" fill="hold">
-                            <p:stCondLst>
-                              <p:cond delay="0"/>
-                            </p:stCondLst>
-                            <p:childTnLst>
-                              <p:par>
-                                <p:cTn id="5" presetID="10" presetClass="entr" presetSubtype="0" fill="hold" nodeType="clickEffect">
-                                  <p:stCondLst>
-                                    <p:cond delay="0"/>
-                                  </p:stCondLst>
-                                  <p:childTnLst>
-                                    <p:set>
-                                      <p:cBhvr>
-                                        <p:cTn id="6" dur="1" fill="hold">
-                                          <p:stCondLst>
-                                            <p:cond delay="0"/>
-                                          </p:stCondLst>
-                                        </p:cTn>
-                                        <p:tgtEl>
-                                          <p:spTgt spid="3">
-                                            <p:txEl>
-                                              <p:pRg st="0" end="0"/>
-                                            </p:txEl>
-                                          </p:spTgt>
-                                        </p:tgtEl>
-                                        <p:attrNameLst>
-                                          <p:attrName>style.visibility</p:attrName>
-                                        </p:attrNameLst>
-                                      </p:cBhvr>
-                                      <p:to>
-                                        <p:strVal val="visible"/>
-                                      </p:to>
-                                    </p:set>
-                                    <p:animEffect transition="in" filter="fade">
-                                      <p:cBhvr>
-                                        <p:cTn id="7" dur="500"/>
-                                        <p:tgtEl>
-                                          <p:spTgt spid="3">
-                                            <p:txEl>
-                                              <p:pRg st="0" end="0"/>
-                                            </p:txEl>
-                                          </p:spTgt>
-                                        </p:tgtEl>
-                                      </p:cBhvr>
-                                    </p:animEffect>
-                                  </p:childTnLst>
-                                </p:cTn>
-                              </p:par>
-                            </p:childTnLst>
-                          </p:cTn>
-                        </p:par>
-                      </p:childTnLst>
-                    </p:cTn>
-                  </p:par>
-                  <p:par>
-                    <p:cTn id="8" fill="hold">
-                      <p:stCondLst>
-                        <p:cond delay="indefinite"/>
-                      </p:stCondLst>
-                      <p:childTnLst>
-                        <p:par>
-                          <p:cTn id="9" fill="hold">
-                            <p:stCondLst>
-                              <p:cond delay="0"/>
-                            </p:stCondLst>
-                            <p:childTnLst>
-                              <p:par>
-                                <p:cTn id="10" presetID="10" presetClass="entr" presetSubtype="0" fill="hold" nodeType="clickEffect">
-                                  <p:stCondLst>
-                                    <p:cond delay="0"/>
-                                  </p:stCondLst>
-                                  <p:childTnLst>
-                                    <p:set>
-                                      <p:cBhvr>
-                                        <p:cTn id="11" dur="1" fill="hold">
-                                          <p:stCondLst>
-                                            <p:cond delay="0"/>
-                                          </p:stCondLst>
-                                        </p:cTn>
-                                        <p:tgtEl>
-                                          <p:spTgt spid="3">
-                                            <p:txEl>
-                                              <p:pRg st="2" end="2"/>
-                                            </p:txEl>
-                                          </p:spTgt>
-                                        </p:tgtEl>
-                                        <p:attrNameLst>
-                                          <p:attrName>style.visibility</p:attrName>
-                                        </p:attrNameLst>
-                                      </p:cBhvr>
-                                      <p:to>
-                                        <p:strVal val="visible"/>
-                                      </p:to>
-                                    </p:set>
-                                    <p:animEffect transition="in" filter="fade">
-                                      <p:cBhvr>
-                                        <p:cTn id="12" dur="500"/>
-                                        <p:tgtEl>
-                                          <p:spTgt spid="3">
-                                            <p:txEl>
-                                              <p:pRg st="2" end="2"/>
-                                            </p:txEl>
-                                          </p:spTgt>
-                                        </p:tgtEl>
-                                      </p:cBhvr>
-                                    </p:animEffect>
-                                  </p:childTnLst>
-                                </p:cTn>
-                              </p:par>
-                            </p:childTnLst>
-                          </p:cTn>
-                        </p:par>
-                      </p:childTnLst>
-                    </p:cTn>
-                  </p:par>
-                  <p:par>
-                    <p:cTn id="13" fill="hold">
-                      <p:stCondLst>
-                        <p:cond delay="indefinite"/>
-                      </p:stCondLst>
-                      <p:childTnLst>
-                        <p:par>
-                          <p:cTn id="14" fill="hold">
-                            <p:stCondLst>
-                              <p:cond delay="0"/>
-                            </p:stCondLst>
-                            <p:childTnLst>
-                              <p:par>
-                                <p:cTn id="15" presetID="10" presetClass="entr" presetSubtype="0" fill="hold" nodeType="clickEffect">
-                                  <p:stCondLst>
-                                    <p:cond delay="0"/>
-                                  </p:stCondLst>
-                                  <p:childTnLst>
-                                    <p:set>
-                                      <p:cBhvr>
-                                        <p:cTn id="16" dur="1" fill="hold">
-                                          <p:stCondLst>
-                                            <p:cond delay="0"/>
-                                          </p:stCondLst>
-                                        </p:cTn>
-                                        <p:tgtEl>
-                                          <p:spTgt spid="3">
-                                            <p:txEl>
-                                              <p:pRg st="4" end="4"/>
-                                            </p:txEl>
-                                          </p:spTgt>
-                                        </p:tgtEl>
-                                        <p:attrNameLst>
-                                          <p:attrName>style.visibility</p:attrName>
-                                        </p:attrNameLst>
-                                      </p:cBhvr>
-                                      <p:to>
-                                        <p:strVal val="visible"/>
-                                      </p:to>
-                                    </p:set>
-                                    <p:animEffect transition="in" filter="fade">
-                                      <p:cBhvr>
-                                        <p:cTn id="17" dur="500"/>
-                                        <p:tgtEl>
-                                          <p:spTgt spid="3">
-                                            <p:txEl>
-                                              <p:pRg st="4" end="4"/>
-                                            </p:txEl>
-                                          </p:spTgt>
-                                        </p:tgtEl>
-                                      </p:cBhvr>
-                                    </p:animEffect>
-                                  </p:childTnLst>
-                                </p:cTn>
-                              </p:par>
-                            </p:childTnLst>
-                          </p:cTn>
-                        </p:par>
-                      </p:childTnLst>
-                    </p:cTn>
-                  </p:par>
-                  <p:par>
-                    <p:cTn id="18" fill="hold">
-                      <p:stCondLst>
-                        <p:cond delay="indefinite"/>
-                      </p:stCondLst>
-                      <p:childTnLst>
-                        <p:par>
-                          <p:cTn id="19" fill="hold">
-                            <p:stCondLst>
-                              <p:cond delay="0"/>
-                            </p:stCondLst>
-                            <p:childTnLst>
-                              <p:par>
-                                <p:cTn id="20" presetID="10" presetClass="entr" presetSubtype="0" fill="hold" nodeType="clickEffect">
-                                  <p:stCondLst>
-                                    <p:cond delay="0"/>
-                                  </p:stCondLst>
-                                  <p:childTnLst>
-                                    <p:set>
-                                      <p:cBhvr>
-                                        <p:cTn id="21" dur="1" fill="hold">
-                                          <p:stCondLst>
-                                            <p:cond delay="0"/>
-                                          </p:stCondLst>
-                                        </p:cTn>
-                                        <p:tgtEl>
-                                          <p:spTgt spid="3">
-                                            <p:txEl>
-                                              <p:pRg st="6" end="6"/>
-                                            </p:txEl>
-                                          </p:spTgt>
-                                        </p:tgtEl>
-                                        <p:attrNameLst>
-                                          <p:attrName>style.visibility</p:attrName>
-                                        </p:attrNameLst>
-                                      </p:cBhvr>
-                                      <p:to>
-                                        <p:strVal val="visible"/>
-                                      </p:to>
-                                    </p:set>
-                                    <p:animEffect transition="in" filter="fade">
-                                      <p:cBhvr>
-                                        <p:cTn id="22" dur="500"/>
-                                        <p:tgtEl>
-                                          <p:spTgt spid="3">
-                                            <p:txEl>
-                                              <p:pRg st="6" end="6"/>
-                                            </p:txEl>
-                                          </p:spTgt>
-                                        </p:tgtEl>
-                                      </p:cBhvr>
-                                    </p:animEffect>
-                                  </p:childTnLst>
-                                </p:cTn>
-                              </p:par>
-                            </p:childTnLst>
-                          </p:cTn>
-                        </p:par>
-                      </p:childTnLst>
-                    </p:cTn>
-                  </p:par>
-                </p:childTnLst>
-              </p:cTn>
-              <p:prevCondLst>
-                <p:cond evt="onPrev" delay="0">
-                  <p:tgtEl>
-                    <p:sldTgt/>
-                  </p:tgtEl>
-                </p:cond>
-              </p:prevCondLst>
-              <p:nextCondLst>
-                <p:cond evt="onNext" delay="0">
-                  <p:tgtEl>
-                    <p:sldTgt/>
-                  </p:tgtEl>
-                </p:cond>
-              </p:nextCondLst>
-            </p:seq>
-          </p:childTnLst>
-        </p:cTn>
-      </p:par>
-    </p:tnLst>
-  </p:timing>
-</p:sld>
-</file>
-
-<file path=ppt/slides/slide13.xml><?xml version="1.0" encoding="utf-8"?>
-<p:sld xmlns:a="http://schemas.openxmlformats.org/drawingml/2006/main" xmlns:r="http://schemas.openxmlformats.org/officeDocument/2006/relationships" xmlns:p="http://schemas.openxmlformats.org/presentationml/2006/main">
-  <p:cSld>
-    <p:spTree>
-      <p:nvGrpSpPr>
-        <p:cNvPr id="1" name=""/>
-        <p:cNvGrpSpPr/>
-        <p:nvPr/>
-      </p:nvGrpSpPr>
-      <p:grpSpPr>
-        <a:xfrm>
-          <a:off x="0" y="0"/>
-          <a:ext cx="0" cy="0"/>
-          <a:chOff x="0" y="0"/>
-          <a:chExt cx="0" cy="0"/>
-        </a:xfrm>
-      </p:grpSpPr>
-      <p:sp>
-        <p:nvSpPr>
-          <p:cNvPr id="2" name="Title 1">
-            <a:extLst>
-              <a:ext uri="{FF2B5EF4-FFF2-40B4-BE49-F238E27FC236}">
-                <a16:creationId xmlns:a16="http://schemas.microsoft.com/office/drawing/2014/main" id="{1206D185-1E7B-895B-A0CD-D2AD49EFBE61}"/>
-              </a:ext>
-            </a:extLst>
-          </p:cNvPr>
-          <p:cNvSpPr>
-            <a:spLocks noGrp="1"/>
-          </p:cNvSpPr>
-          <p:nvPr>
-            <p:ph type="title"/>
-          </p:nvPr>
-        </p:nvSpPr>
-        <p:spPr/>
-        <p:txBody>
-          <a:bodyPr/>
-          <a:lstStyle/>
-          <a:p>
-            <a:r>
-              <a:rPr lang="en-US" dirty="0"/>
-              <a:t>Oligopoly</a:t>
-            </a:r>
-          </a:p>
-        </p:txBody>
-      </p:sp>
-      <p:sp>
-        <p:nvSpPr>
-          <p:cNvPr id="3" name="Content Placeholder 2">
-            <a:extLst>
-              <a:ext uri="{FF2B5EF4-FFF2-40B4-BE49-F238E27FC236}">
-                <a16:creationId xmlns:a16="http://schemas.microsoft.com/office/drawing/2014/main" id="{92C7796F-19F0-FD06-D013-BC38DE87E310}"/>
-              </a:ext>
-            </a:extLst>
-          </p:cNvPr>
-          <p:cNvSpPr>
-            <a:spLocks noGrp="1"/>
-          </p:cNvSpPr>
-          <p:nvPr>
-            <p:ph idx="1"/>
-          </p:nvPr>
-        </p:nvSpPr>
-        <p:spPr>
-          <a:xfrm>
-            <a:off x="628650" y="1825625"/>
-            <a:ext cx="8187546" cy="4351338"/>
-          </a:xfrm>
-        </p:spPr>
-        <p:txBody>
-          <a:bodyPr>
-            <a:normAutofit/>
-          </a:bodyPr>
-          <a:lstStyle/>
-          <a:p>
-            <a:r>
-              <a:rPr lang="en-US" dirty="0"/>
-              <a:t>The main difference between an oligopoly and a perfectly competitive market is the aspect of strategic behavior.</a:t>
-            </a:r>
-          </a:p>
-          <a:p>
             <a:pPr marL="1371600" lvl="3" indent="0">
               <a:buNone/>
             </a:pPr>
@@ -6505,7 +6016,7 @@
           <a:p>
             <a:fld id="{1A980C56-831A-4EAB-9EDE-57C090F4F877}" type="slidenum">
               <a:rPr lang="en-US" smtClean="0"/>
-              <a:t>13</a:t>
+              <a:t>12</a:t>
             </a:fld>
             <a:endParaRPr lang="en-US" dirty="0"/>
           </a:p>
@@ -6798,7 +6309,7 @@
 </p:sld>
 </file>
 
-<file path=ppt/slides/slide14.xml><?xml version="1.0" encoding="utf-8"?>
+<file path=ppt/slides/slide13.xml><?xml version="1.0" encoding="utf-8"?>
 <p:sld xmlns:a="http://schemas.openxmlformats.org/drawingml/2006/main" xmlns:r="http://schemas.openxmlformats.org/officeDocument/2006/relationships" xmlns:p="http://schemas.openxmlformats.org/presentationml/2006/main">
   <p:cSld>
     <p:spTree>
@@ -6989,7 +6500,7 @@
           <a:p>
             <a:fld id="{1A980C56-831A-4EAB-9EDE-57C090F4F877}" type="slidenum">
               <a:rPr lang="en-US" smtClean="0"/>
-              <a:t>14</a:t>
+              <a:t>13</a:t>
             </a:fld>
             <a:endParaRPr lang="en-US" dirty="0"/>
           </a:p>
@@ -7282,7 +6793,7 @@
 </p:sld>
 </file>
 
-<file path=ppt/slides/slide15.xml><?xml version="1.0" encoding="utf-8"?>
+<file path=ppt/slides/slide14.xml><?xml version="1.0" encoding="utf-8"?>
 <p:sld xmlns:a="http://schemas.openxmlformats.org/drawingml/2006/main" xmlns:r="http://schemas.openxmlformats.org/officeDocument/2006/relationships" xmlns:p="http://schemas.openxmlformats.org/presentationml/2006/main">
   <p:cSld>
     <p:spTree>
@@ -7442,7 +6953,7 @@
           <a:p>
             <a:fld id="{1A980C56-831A-4EAB-9EDE-57C090F4F877}" type="slidenum">
               <a:rPr lang="en-US" smtClean="0"/>
-              <a:t>15</a:t>
+              <a:t>14</a:t>
             </a:fld>
             <a:endParaRPr lang="en-US" dirty="0"/>
           </a:p>
@@ -7596,7 +7107,7 @@
 </p:sld>
 </file>
 
-<file path=ppt/slides/slide16.xml><?xml version="1.0" encoding="utf-8"?>
+<file path=ppt/slides/slide15.xml><?xml version="1.0" encoding="utf-8"?>
 <p:sld xmlns:a="http://schemas.openxmlformats.org/drawingml/2006/main" xmlns:r="http://schemas.openxmlformats.org/officeDocument/2006/relationships" xmlns:p="http://schemas.openxmlformats.org/presentationml/2006/main">
   <p:cSld>
     <p:spTree>
@@ -7803,7 +7314,7 @@
           <a:p>
             <a:fld id="{1A980C56-831A-4EAB-9EDE-57C090F4F877}" type="slidenum">
               <a:rPr lang="en-US" smtClean="0"/>
-              <a:t>16</a:t>
+              <a:t>15</a:t>
             </a:fld>
             <a:endParaRPr lang="en-US" dirty="0"/>
           </a:p>
@@ -8243,7 +7754,7 @@
 </p:sld>
 </file>
 
-<file path=ppt/slides/slide17.xml><?xml version="1.0" encoding="utf-8"?>
+<file path=ppt/slides/slide16.xml><?xml version="1.0" encoding="utf-8"?>
 <p:sld xmlns:a="http://schemas.openxmlformats.org/drawingml/2006/main" xmlns:r="http://schemas.openxmlformats.org/officeDocument/2006/relationships" xmlns:p="http://schemas.openxmlformats.org/presentationml/2006/main">
   <p:cSld>
     <p:spTree>
@@ -8288,8 +7799,8 @@
           </a:p>
         </p:txBody>
       </p:sp>
-      <mc:AlternateContent xmlns:mc="http://schemas.openxmlformats.org/markup-compatibility/2006">
-        <mc:Choice xmlns:a14="http://schemas.microsoft.com/office/drawing/2010/main" Requires="a14">
+      <mc:AlternateContent xmlns:mc="http://schemas.openxmlformats.org/markup-compatibility/2006" xmlns:a14="http://schemas.microsoft.com/office/drawing/2010/main">
+        <mc:Choice Requires="a14">
           <p:sp>
             <p:nvSpPr>
               <p:cNvPr id="3" name="Content Placeholder 2">
@@ -8508,7 +8019,7 @@
             </p:txBody>
           </p:sp>
         </mc:Choice>
-        <mc:Fallback>
+        <mc:Fallback xmlns="">
           <p:sp>
             <p:nvSpPr>
               <p:cNvPr id="3" name="Content Placeholder 2">
@@ -8629,7 +8140,7 @@
           <a:p>
             <a:fld id="{1A980C56-831A-4EAB-9EDE-57C090F4F877}" type="slidenum">
               <a:rPr lang="en-US" smtClean="0"/>
-              <a:t>17</a:t>
+              <a:t>16</a:t>
             </a:fld>
             <a:endParaRPr lang="en-US" dirty="0"/>
           </a:p>
@@ -9044,7 +8555,7 @@
 </p:sld>
 </file>
 
-<file path=ppt/slides/slide18.xml><?xml version="1.0" encoding="utf-8"?>
+<file path=ppt/slides/slide17.xml><?xml version="1.0" encoding="utf-8"?>
 <p:sld xmlns:a="http://schemas.openxmlformats.org/drawingml/2006/main" xmlns:r="http://schemas.openxmlformats.org/officeDocument/2006/relationships" xmlns:p="http://schemas.openxmlformats.org/presentationml/2006/main">
   <p:cSld>
     <p:spTree>
@@ -9705,7 +9216,7 @@
           <a:p>
             <a:fld id="{1A980C56-831A-4EAB-9EDE-57C090F4F877}" type="slidenum">
               <a:rPr lang="en-US" smtClean="0"/>
-              <a:t>18</a:t>
+              <a:t>17</a:t>
             </a:fld>
             <a:endParaRPr lang="en-US" dirty="0"/>
           </a:p>
@@ -10066,7 +9577,7 @@
 </p:sld>
 </file>
 
-<file path=ppt/slides/slide19.xml><?xml version="1.0" encoding="utf-8"?>
+<file path=ppt/slides/slide18.xml><?xml version="1.0" encoding="utf-8"?>
 <p:sld xmlns:a="http://schemas.openxmlformats.org/drawingml/2006/main" xmlns:r="http://schemas.openxmlformats.org/officeDocument/2006/relationships" xmlns:p="http://schemas.openxmlformats.org/presentationml/2006/main">
   <p:cSld>
     <p:spTree>
@@ -11114,7 +10625,7 @@
           <a:p>
             <a:fld id="{1A980C56-831A-4EAB-9EDE-57C090F4F877}" type="slidenum">
               <a:rPr lang="en-US" smtClean="0"/>
-              <a:t>19</a:t>
+              <a:t>18</a:t>
             </a:fld>
             <a:endParaRPr lang="en-US" dirty="0"/>
           </a:p>
@@ -11414,748 +10925,7 @@
 </p:sld>
 </file>
 
-<file path=ppt/slides/slide2.xml><?xml version="1.0" encoding="utf-8"?>
-<p:sld xmlns:a="http://schemas.openxmlformats.org/drawingml/2006/main" xmlns:r="http://schemas.openxmlformats.org/officeDocument/2006/relationships" xmlns:p="http://schemas.openxmlformats.org/presentationml/2006/main">
-  <p:cSld>
-    <p:spTree>
-      <p:nvGrpSpPr>
-        <p:cNvPr id="1" name=""/>
-        <p:cNvGrpSpPr/>
-        <p:nvPr/>
-      </p:nvGrpSpPr>
-      <p:grpSpPr>
-        <a:xfrm>
-          <a:off x="0" y="0"/>
-          <a:ext cx="0" cy="0"/>
-          <a:chOff x="0" y="0"/>
-          <a:chExt cx="0" cy="0"/>
-        </a:xfrm>
-      </p:grpSpPr>
-      <p:sp>
-        <p:nvSpPr>
-          <p:cNvPr id="2" name="Title 1">
-            <a:extLst>
-              <a:ext uri="{FF2B5EF4-FFF2-40B4-BE49-F238E27FC236}">
-                <a16:creationId xmlns:a16="http://schemas.microsoft.com/office/drawing/2014/main" id="{1206D185-1E7B-895B-A0CD-D2AD49EFBE61}"/>
-              </a:ext>
-            </a:extLst>
-          </p:cNvPr>
-          <p:cNvSpPr>
-            <a:spLocks noGrp="1"/>
-          </p:cNvSpPr>
-          <p:nvPr>
-            <p:ph type="title"/>
-          </p:nvPr>
-        </p:nvSpPr>
-        <p:spPr/>
-        <p:txBody>
-          <a:bodyPr/>
-          <a:lstStyle/>
-          <a:p>
-            <a:r>
-              <a:rPr lang="en-US" dirty="0"/>
-              <a:t>Monopolistic Competition</a:t>
-            </a:r>
-          </a:p>
-        </p:txBody>
-      </p:sp>
-      <p:sp>
-        <p:nvSpPr>
-          <p:cNvPr id="3" name="Content Placeholder 2">
-            <a:extLst>
-              <a:ext uri="{FF2B5EF4-FFF2-40B4-BE49-F238E27FC236}">
-                <a16:creationId xmlns:a16="http://schemas.microsoft.com/office/drawing/2014/main" id="{92C7796F-19F0-FD06-D013-BC38DE87E310}"/>
-              </a:ext>
-            </a:extLst>
-          </p:cNvPr>
-          <p:cNvSpPr>
-            <a:spLocks noGrp="1"/>
-          </p:cNvSpPr>
-          <p:nvPr>
-            <p:ph idx="1"/>
-          </p:nvPr>
-        </p:nvSpPr>
-        <p:spPr/>
-        <p:txBody>
-          <a:bodyPr>
-            <a:normAutofit/>
-          </a:bodyPr>
-          <a:lstStyle/>
-          <a:p>
-            <a:r>
-              <a:rPr lang="en-US" dirty="0"/>
-              <a:t>Today we examine some more departures from the five assumptions of a perfectly competitive market.</a:t>
-            </a:r>
-          </a:p>
-          <a:p>
-            <a:pPr marL="914400" lvl="1" indent="-457200">
-              <a:buFont typeface="+mj-lt"/>
-              <a:buAutoNum type="arabicPeriod"/>
-            </a:pPr>
-            <a:r>
-              <a:rPr lang="en-US" dirty="0"/>
-              <a:t>Infinite number of producers and consumers, and</a:t>
-            </a:r>
-          </a:p>
-          <a:p>
-            <a:pPr marL="914400" lvl="1" indent="-457200">
-              <a:buFont typeface="+mj-lt"/>
-              <a:buAutoNum type="arabicPeriod"/>
-            </a:pPr>
-            <a:r>
-              <a:rPr lang="en-US" dirty="0"/>
-              <a:t>Homogeneous products, and</a:t>
-            </a:r>
-          </a:p>
-          <a:p>
-            <a:pPr marL="914400" lvl="1" indent="-457200">
-              <a:buFont typeface="+mj-lt"/>
-              <a:buAutoNum type="arabicPeriod"/>
-            </a:pPr>
-            <a:r>
-              <a:rPr lang="en-US" dirty="0"/>
-              <a:t>Perfect information, and</a:t>
-            </a:r>
-          </a:p>
-          <a:p>
-            <a:pPr marL="914400" lvl="1" indent="-457200">
-              <a:buFont typeface="+mj-lt"/>
-              <a:buAutoNum type="arabicPeriod"/>
-            </a:pPr>
-            <a:r>
-              <a:rPr lang="en-US" dirty="0"/>
-              <a:t>Free entry and exit, and</a:t>
-            </a:r>
-          </a:p>
-          <a:p>
-            <a:pPr marL="914400" lvl="1" indent="-457200">
-              <a:buFont typeface="+mj-lt"/>
-              <a:buAutoNum type="arabicPeriod"/>
-            </a:pPr>
-            <a:r>
-              <a:rPr lang="en-US" dirty="0"/>
-              <a:t>Zero transaction costs.</a:t>
-            </a:r>
-          </a:p>
-          <a:p>
-            <a:pPr lvl="3"/>
-            <a:endParaRPr lang="en-US" dirty="0"/>
-          </a:p>
-          <a:p>
-            <a:r>
-              <a:rPr lang="en-US" dirty="0"/>
-              <a:t>First, we will examine the market when rule 2 is broken.</a:t>
-            </a:r>
-          </a:p>
-          <a:p>
-            <a:pPr lvl="1"/>
-            <a:r>
-              <a:rPr lang="en-US" dirty="0"/>
-              <a:t>Breaking Rule #2: Differentiated Products.</a:t>
-            </a:r>
-          </a:p>
-          <a:p>
-            <a:pPr lvl="3"/>
-            <a:endParaRPr lang="en-US" dirty="0"/>
-          </a:p>
-          <a:p>
-            <a:r>
-              <a:rPr lang="en-US" dirty="0"/>
-              <a:t>We call this “Monopolistic Competition.”</a:t>
-            </a:r>
-          </a:p>
-        </p:txBody>
-      </p:sp>
-      <p:sp>
-        <p:nvSpPr>
-          <p:cNvPr id="4" name="Date Placeholder 3">
-            <a:extLst>
-              <a:ext uri="{FF2B5EF4-FFF2-40B4-BE49-F238E27FC236}">
-                <a16:creationId xmlns:a16="http://schemas.microsoft.com/office/drawing/2014/main" id="{6416C1B3-AD2F-94ED-08FE-73EB9D9394AA}"/>
-              </a:ext>
-            </a:extLst>
-          </p:cNvPr>
-          <p:cNvSpPr>
-            <a:spLocks noGrp="1"/>
-          </p:cNvSpPr>
-          <p:nvPr>
-            <p:ph type="dt" sz="half" idx="10"/>
-          </p:nvPr>
-        </p:nvSpPr>
-        <p:spPr/>
-        <p:txBody>
-          <a:bodyPr/>
-          <a:lstStyle/>
-          <a:p>
-            <a:r>
-              <a:rPr lang="en-US"/>
-              <a:t>Fall 2023</a:t>
-            </a:r>
-            <a:endParaRPr lang="en-US" dirty="0"/>
-          </a:p>
-        </p:txBody>
-      </p:sp>
-      <p:sp>
-        <p:nvSpPr>
-          <p:cNvPr id="5" name="Footer Placeholder 4">
-            <a:extLst>
-              <a:ext uri="{FF2B5EF4-FFF2-40B4-BE49-F238E27FC236}">
-                <a16:creationId xmlns:a16="http://schemas.microsoft.com/office/drawing/2014/main" id="{6A3B92C5-753A-31FD-4325-D265D2C9AFE6}"/>
-              </a:ext>
-            </a:extLst>
-          </p:cNvPr>
-          <p:cNvSpPr>
-            <a:spLocks noGrp="1"/>
-          </p:cNvSpPr>
-          <p:nvPr>
-            <p:ph type="ftr" sz="quarter" idx="11"/>
-          </p:nvPr>
-        </p:nvSpPr>
-        <p:spPr/>
-        <p:txBody>
-          <a:bodyPr/>
-          <a:lstStyle/>
-          <a:p>
-            <a:r>
-              <a:rPr lang="en-US"/>
-              <a:t>DEPARTMENT OF BUSINESS &amp; ECONOMICS</a:t>
-            </a:r>
-            <a:endParaRPr lang="en-US" dirty="0"/>
-          </a:p>
-        </p:txBody>
-      </p:sp>
-      <p:sp>
-        <p:nvSpPr>
-          <p:cNvPr id="6" name="Slide Number Placeholder 5">
-            <a:extLst>
-              <a:ext uri="{FF2B5EF4-FFF2-40B4-BE49-F238E27FC236}">
-                <a16:creationId xmlns:a16="http://schemas.microsoft.com/office/drawing/2014/main" id="{7012C691-6ADD-ED94-3DA2-905038385B1B}"/>
-              </a:ext>
-            </a:extLst>
-          </p:cNvPr>
-          <p:cNvSpPr>
-            <a:spLocks noGrp="1"/>
-          </p:cNvSpPr>
-          <p:nvPr>
-            <p:ph type="sldNum" sz="quarter" idx="12"/>
-          </p:nvPr>
-        </p:nvSpPr>
-        <p:spPr/>
-        <p:txBody>
-          <a:bodyPr/>
-          <a:lstStyle/>
-          <a:p>
-            <a:fld id="{1A980C56-831A-4EAB-9EDE-57C090F4F877}" type="slidenum">
-              <a:rPr lang="en-US" smtClean="0"/>
-              <a:t>2</a:t>
-            </a:fld>
-            <a:endParaRPr lang="en-US" dirty="0"/>
-          </a:p>
-        </p:txBody>
-      </p:sp>
-    </p:spTree>
-    <p:extLst>
-      <p:ext uri="{BB962C8B-B14F-4D97-AF65-F5344CB8AC3E}">
-        <p14:creationId xmlns:p14="http://schemas.microsoft.com/office/powerpoint/2010/main" val="811093041"/>
-      </p:ext>
-    </p:extLst>
-  </p:cSld>
-  <p:clrMapOvr>
-    <a:masterClrMapping/>
-  </p:clrMapOvr>
-  <p:timing>
-    <p:tnLst>
-      <p:par>
-        <p:cTn id="1" dur="indefinite" restart="never" nodeType="tmRoot">
-          <p:childTnLst>
-            <p:seq concurrent="1" nextAc="seek">
-              <p:cTn id="2" dur="indefinite" nodeType="mainSeq">
-                <p:childTnLst>
-                  <p:par>
-                    <p:cTn id="3" fill="hold">
-                      <p:stCondLst>
-                        <p:cond delay="indefinite"/>
-                      </p:stCondLst>
-                      <p:childTnLst>
-                        <p:par>
-                          <p:cTn id="4" fill="hold">
-                            <p:stCondLst>
-                              <p:cond delay="0"/>
-                            </p:stCondLst>
-                            <p:childTnLst>
-                              <p:par>
-                                <p:cTn id="5" presetID="10" presetClass="entr" presetSubtype="0" fill="hold" nodeType="clickEffect">
-                                  <p:stCondLst>
-                                    <p:cond delay="0"/>
-                                  </p:stCondLst>
-                                  <p:childTnLst>
-                                    <p:set>
-                                      <p:cBhvr>
-                                        <p:cTn id="6" dur="1" fill="hold">
-                                          <p:stCondLst>
-                                            <p:cond delay="0"/>
-                                          </p:stCondLst>
-                                        </p:cTn>
-                                        <p:tgtEl>
-                                          <p:spTgt spid="3">
-                                            <p:txEl>
-                                              <p:pRg st="0" end="0"/>
-                                            </p:txEl>
-                                          </p:spTgt>
-                                        </p:tgtEl>
-                                        <p:attrNameLst>
-                                          <p:attrName>style.visibility</p:attrName>
-                                        </p:attrNameLst>
-                                      </p:cBhvr>
-                                      <p:to>
-                                        <p:strVal val="visible"/>
-                                      </p:to>
-                                    </p:set>
-                                    <p:animEffect transition="in" filter="fade">
-                                      <p:cBhvr>
-                                        <p:cTn id="7" dur="500"/>
-                                        <p:tgtEl>
-                                          <p:spTgt spid="3">
-                                            <p:txEl>
-                                              <p:pRg st="0" end="0"/>
-                                            </p:txEl>
-                                          </p:spTgt>
-                                        </p:tgtEl>
-                                      </p:cBhvr>
-                                    </p:animEffect>
-                                  </p:childTnLst>
-                                </p:cTn>
-                              </p:par>
-                            </p:childTnLst>
-                          </p:cTn>
-                        </p:par>
-                      </p:childTnLst>
-                    </p:cTn>
-                  </p:par>
-                  <p:par>
-                    <p:cTn id="8" fill="hold">
-                      <p:stCondLst>
-                        <p:cond delay="indefinite"/>
-                      </p:stCondLst>
-                      <p:childTnLst>
-                        <p:par>
-                          <p:cTn id="9" fill="hold">
-                            <p:stCondLst>
-                              <p:cond delay="0"/>
-                            </p:stCondLst>
-                            <p:childTnLst>
-                              <p:par>
-                                <p:cTn id="10" presetID="10" presetClass="entr" presetSubtype="0" fill="hold" nodeType="clickEffect">
-                                  <p:stCondLst>
-                                    <p:cond delay="0"/>
-                                  </p:stCondLst>
-                                  <p:childTnLst>
-                                    <p:set>
-                                      <p:cBhvr>
-                                        <p:cTn id="11" dur="1" fill="hold">
-                                          <p:stCondLst>
-                                            <p:cond delay="0"/>
-                                          </p:stCondLst>
-                                        </p:cTn>
-                                        <p:tgtEl>
-                                          <p:spTgt spid="3">
-                                            <p:txEl>
-                                              <p:pRg st="1" end="1"/>
-                                            </p:txEl>
-                                          </p:spTgt>
-                                        </p:tgtEl>
-                                        <p:attrNameLst>
-                                          <p:attrName>style.visibility</p:attrName>
-                                        </p:attrNameLst>
-                                      </p:cBhvr>
-                                      <p:to>
-                                        <p:strVal val="visible"/>
-                                      </p:to>
-                                    </p:set>
-                                    <p:animEffect transition="in" filter="fade">
-                                      <p:cBhvr>
-                                        <p:cTn id="12" dur="500"/>
-                                        <p:tgtEl>
-                                          <p:spTgt spid="3">
-                                            <p:txEl>
-                                              <p:pRg st="1" end="1"/>
-                                            </p:txEl>
-                                          </p:spTgt>
-                                        </p:tgtEl>
-                                      </p:cBhvr>
-                                    </p:animEffect>
-                                  </p:childTnLst>
-                                </p:cTn>
-                              </p:par>
-                              <p:par>
-                                <p:cTn id="13" presetID="10" presetClass="entr" presetSubtype="0" fill="hold" nodeType="withEffect">
-                                  <p:stCondLst>
-                                    <p:cond delay="0"/>
-                                  </p:stCondLst>
-                                  <p:childTnLst>
-                                    <p:set>
-                                      <p:cBhvr>
-                                        <p:cTn id="14" dur="1" fill="hold">
-                                          <p:stCondLst>
-                                            <p:cond delay="0"/>
-                                          </p:stCondLst>
-                                        </p:cTn>
-                                        <p:tgtEl>
-                                          <p:spTgt spid="3">
-                                            <p:txEl>
-                                              <p:pRg st="2" end="2"/>
-                                            </p:txEl>
-                                          </p:spTgt>
-                                        </p:tgtEl>
-                                        <p:attrNameLst>
-                                          <p:attrName>style.visibility</p:attrName>
-                                        </p:attrNameLst>
-                                      </p:cBhvr>
-                                      <p:to>
-                                        <p:strVal val="visible"/>
-                                      </p:to>
-                                    </p:set>
-                                    <p:animEffect transition="in" filter="fade">
-                                      <p:cBhvr>
-                                        <p:cTn id="15" dur="500"/>
-                                        <p:tgtEl>
-                                          <p:spTgt spid="3">
-                                            <p:txEl>
-                                              <p:pRg st="2" end="2"/>
-                                            </p:txEl>
-                                          </p:spTgt>
-                                        </p:tgtEl>
-                                      </p:cBhvr>
-                                    </p:animEffect>
-                                  </p:childTnLst>
-                                </p:cTn>
-                              </p:par>
-                              <p:par>
-                                <p:cTn id="16" presetID="10" presetClass="entr" presetSubtype="0" fill="hold" nodeType="withEffect">
-                                  <p:stCondLst>
-                                    <p:cond delay="0"/>
-                                  </p:stCondLst>
-                                  <p:childTnLst>
-                                    <p:set>
-                                      <p:cBhvr>
-                                        <p:cTn id="17" dur="1" fill="hold">
-                                          <p:stCondLst>
-                                            <p:cond delay="0"/>
-                                          </p:stCondLst>
-                                        </p:cTn>
-                                        <p:tgtEl>
-                                          <p:spTgt spid="3">
-                                            <p:txEl>
-                                              <p:pRg st="3" end="3"/>
-                                            </p:txEl>
-                                          </p:spTgt>
-                                        </p:tgtEl>
-                                        <p:attrNameLst>
-                                          <p:attrName>style.visibility</p:attrName>
-                                        </p:attrNameLst>
-                                      </p:cBhvr>
-                                      <p:to>
-                                        <p:strVal val="visible"/>
-                                      </p:to>
-                                    </p:set>
-                                    <p:animEffect transition="in" filter="fade">
-                                      <p:cBhvr>
-                                        <p:cTn id="18" dur="500"/>
-                                        <p:tgtEl>
-                                          <p:spTgt spid="3">
-                                            <p:txEl>
-                                              <p:pRg st="3" end="3"/>
-                                            </p:txEl>
-                                          </p:spTgt>
-                                        </p:tgtEl>
-                                      </p:cBhvr>
-                                    </p:animEffect>
-                                  </p:childTnLst>
-                                </p:cTn>
-                              </p:par>
-                              <p:par>
-                                <p:cTn id="19" presetID="10" presetClass="entr" presetSubtype="0" fill="hold" nodeType="withEffect">
-                                  <p:stCondLst>
-                                    <p:cond delay="0"/>
-                                  </p:stCondLst>
-                                  <p:childTnLst>
-                                    <p:set>
-                                      <p:cBhvr>
-                                        <p:cTn id="20" dur="1" fill="hold">
-                                          <p:stCondLst>
-                                            <p:cond delay="0"/>
-                                          </p:stCondLst>
-                                        </p:cTn>
-                                        <p:tgtEl>
-                                          <p:spTgt spid="3">
-                                            <p:txEl>
-                                              <p:pRg st="4" end="4"/>
-                                            </p:txEl>
-                                          </p:spTgt>
-                                        </p:tgtEl>
-                                        <p:attrNameLst>
-                                          <p:attrName>style.visibility</p:attrName>
-                                        </p:attrNameLst>
-                                      </p:cBhvr>
-                                      <p:to>
-                                        <p:strVal val="visible"/>
-                                      </p:to>
-                                    </p:set>
-                                    <p:animEffect transition="in" filter="fade">
-                                      <p:cBhvr>
-                                        <p:cTn id="21" dur="500"/>
-                                        <p:tgtEl>
-                                          <p:spTgt spid="3">
-                                            <p:txEl>
-                                              <p:pRg st="4" end="4"/>
-                                            </p:txEl>
-                                          </p:spTgt>
-                                        </p:tgtEl>
-                                      </p:cBhvr>
-                                    </p:animEffect>
-                                  </p:childTnLst>
-                                </p:cTn>
-                              </p:par>
-                              <p:par>
-                                <p:cTn id="22" presetID="10" presetClass="entr" presetSubtype="0" fill="hold" nodeType="withEffect">
-                                  <p:stCondLst>
-                                    <p:cond delay="0"/>
-                                  </p:stCondLst>
-                                  <p:childTnLst>
-                                    <p:set>
-                                      <p:cBhvr>
-                                        <p:cTn id="23" dur="1" fill="hold">
-                                          <p:stCondLst>
-                                            <p:cond delay="0"/>
-                                          </p:stCondLst>
-                                        </p:cTn>
-                                        <p:tgtEl>
-                                          <p:spTgt spid="3">
-                                            <p:txEl>
-                                              <p:pRg st="5" end="5"/>
-                                            </p:txEl>
-                                          </p:spTgt>
-                                        </p:tgtEl>
-                                        <p:attrNameLst>
-                                          <p:attrName>style.visibility</p:attrName>
-                                        </p:attrNameLst>
-                                      </p:cBhvr>
-                                      <p:to>
-                                        <p:strVal val="visible"/>
-                                      </p:to>
-                                    </p:set>
-                                    <p:animEffect transition="in" filter="fade">
-                                      <p:cBhvr>
-                                        <p:cTn id="24" dur="500"/>
-                                        <p:tgtEl>
-                                          <p:spTgt spid="3">
-                                            <p:txEl>
-                                              <p:pRg st="5" end="5"/>
-                                            </p:txEl>
-                                          </p:spTgt>
-                                        </p:tgtEl>
-                                      </p:cBhvr>
-                                    </p:animEffect>
-                                  </p:childTnLst>
-                                </p:cTn>
-                              </p:par>
-                            </p:childTnLst>
-                          </p:cTn>
-                        </p:par>
-                      </p:childTnLst>
-                    </p:cTn>
-                  </p:par>
-                  <p:par>
-                    <p:cTn id="25" fill="hold">
-                      <p:stCondLst>
-                        <p:cond delay="indefinite"/>
-                      </p:stCondLst>
-                      <p:childTnLst>
-                        <p:par>
-                          <p:cTn id="26" fill="hold">
-                            <p:stCondLst>
-                              <p:cond delay="0"/>
-                            </p:stCondLst>
-                            <p:childTnLst>
-                              <p:par>
-                                <p:cTn id="27" presetID="10" presetClass="entr" presetSubtype="0" fill="hold" nodeType="clickEffect">
-                                  <p:stCondLst>
-                                    <p:cond delay="0"/>
-                                  </p:stCondLst>
-                                  <p:childTnLst>
-                                    <p:set>
-                                      <p:cBhvr>
-                                        <p:cTn id="28" dur="1" fill="hold">
-                                          <p:stCondLst>
-                                            <p:cond delay="0"/>
-                                          </p:stCondLst>
-                                        </p:cTn>
-                                        <p:tgtEl>
-                                          <p:spTgt spid="3">
-                                            <p:txEl>
-                                              <p:pRg st="7" end="7"/>
-                                            </p:txEl>
-                                          </p:spTgt>
-                                        </p:tgtEl>
-                                        <p:attrNameLst>
-                                          <p:attrName>style.visibility</p:attrName>
-                                        </p:attrNameLst>
-                                      </p:cBhvr>
-                                      <p:to>
-                                        <p:strVal val="visible"/>
-                                      </p:to>
-                                    </p:set>
-                                    <p:animEffect transition="in" filter="fade">
-                                      <p:cBhvr>
-                                        <p:cTn id="29" dur="500"/>
-                                        <p:tgtEl>
-                                          <p:spTgt spid="3">
-                                            <p:txEl>
-                                              <p:pRg st="7" end="7"/>
-                                            </p:txEl>
-                                          </p:spTgt>
-                                        </p:tgtEl>
-                                      </p:cBhvr>
-                                    </p:animEffect>
-                                  </p:childTnLst>
-                                </p:cTn>
-                              </p:par>
-                              <p:par>
-                                <p:cTn id="30" presetID="10" presetClass="entr" presetSubtype="0" fill="hold" nodeType="withEffect">
-                                  <p:stCondLst>
-                                    <p:cond delay="0"/>
-                                  </p:stCondLst>
-                                  <p:childTnLst>
-                                    <p:set>
-                                      <p:cBhvr>
-                                        <p:cTn id="31" dur="1" fill="hold">
-                                          <p:stCondLst>
-                                            <p:cond delay="0"/>
-                                          </p:stCondLst>
-                                        </p:cTn>
-                                        <p:tgtEl>
-                                          <p:spTgt spid="3">
-                                            <p:txEl>
-                                              <p:pRg st="8" end="8"/>
-                                            </p:txEl>
-                                          </p:spTgt>
-                                        </p:tgtEl>
-                                        <p:attrNameLst>
-                                          <p:attrName>style.visibility</p:attrName>
-                                        </p:attrNameLst>
-                                      </p:cBhvr>
-                                      <p:to>
-                                        <p:strVal val="visible"/>
-                                      </p:to>
-                                    </p:set>
-                                    <p:animEffect transition="in" filter="fade">
-                                      <p:cBhvr>
-                                        <p:cTn id="32" dur="500"/>
-                                        <p:tgtEl>
-                                          <p:spTgt spid="3">
-                                            <p:txEl>
-                                              <p:pRg st="8" end="8"/>
-                                            </p:txEl>
-                                          </p:spTgt>
-                                        </p:tgtEl>
-                                      </p:cBhvr>
-                                    </p:animEffect>
-                                  </p:childTnLst>
-                                </p:cTn>
-                              </p:par>
-                            </p:childTnLst>
-                          </p:cTn>
-                        </p:par>
-                      </p:childTnLst>
-                    </p:cTn>
-                  </p:par>
-                  <p:par>
-                    <p:cTn id="33" fill="hold">
-                      <p:stCondLst>
-                        <p:cond delay="indefinite"/>
-                      </p:stCondLst>
-                      <p:childTnLst>
-                        <p:par>
-                          <p:cTn id="34" fill="hold">
-                            <p:stCondLst>
-                              <p:cond delay="0"/>
-                            </p:stCondLst>
-                            <p:childTnLst>
-                              <p:par>
-                                <p:cTn id="35" presetID="10" presetClass="entr" presetSubtype="0" fill="hold" nodeType="clickEffect">
-                                  <p:stCondLst>
-                                    <p:cond delay="0"/>
-                                  </p:stCondLst>
-                                  <p:childTnLst>
-                                    <p:set>
-                                      <p:cBhvr>
-                                        <p:cTn id="36" dur="1" fill="hold">
-                                          <p:stCondLst>
-                                            <p:cond delay="0"/>
-                                          </p:stCondLst>
-                                        </p:cTn>
-                                        <p:tgtEl>
-                                          <p:spTgt spid="3">
-                                            <p:txEl>
-                                              <p:pRg st="10" end="10"/>
-                                            </p:txEl>
-                                          </p:spTgt>
-                                        </p:tgtEl>
-                                        <p:attrNameLst>
-                                          <p:attrName>style.visibility</p:attrName>
-                                        </p:attrNameLst>
-                                      </p:cBhvr>
-                                      <p:to>
-                                        <p:strVal val="visible"/>
-                                      </p:to>
-                                    </p:set>
-                                    <p:animEffect transition="in" filter="fade">
-                                      <p:cBhvr>
-                                        <p:cTn id="37" dur="500"/>
-                                        <p:tgtEl>
-                                          <p:spTgt spid="3">
-                                            <p:txEl>
-                                              <p:pRg st="10" end="10"/>
-                                            </p:txEl>
-                                          </p:spTgt>
-                                        </p:tgtEl>
-                                      </p:cBhvr>
-                                    </p:animEffect>
-                                  </p:childTnLst>
-                                </p:cTn>
-                              </p:par>
-                            </p:childTnLst>
-                          </p:cTn>
-                        </p:par>
-                      </p:childTnLst>
-                    </p:cTn>
-                  </p:par>
-                </p:childTnLst>
-              </p:cTn>
-              <p:prevCondLst>
-                <p:cond evt="onPrev" delay="0">
-                  <p:tgtEl>
-                    <p:sldTgt/>
-                  </p:tgtEl>
-                </p:cond>
-              </p:prevCondLst>
-              <p:nextCondLst>
-                <p:cond evt="onNext" delay="0">
-                  <p:tgtEl>
-                    <p:sldTgt/>
-                  </p:tgtEl>
-                </p:cond>
-              </p:nextCondLst>
-            </p:seq>
-          </p:childTnLst>
-        </p:cTn>
-      </p:par>
-    </p:tnLst>
-  </p:timing>
-</p:sld>
-</file>
-
-<file path=ppt/slides/slide20.xml><?xml version="1.0" encoding="utf-8"?>
+<file path=ppt/slides/slide19.xml><?xml version="1.0" encoding="utf-8"?>
 <p:sld xmlns:a="http://schemas.openxmlformats.org/drawingml/2006/main" xmlns:r="http://schemas.openxmlformats.org/officeDocument/2006/relationships" xmlns:p="http://schemas.openxmlformats.org/presentationml/2006/main">
   <p:cSld>
     <p:spTree>
@@ -13215,7 +11985,7 @@
           <a:p>
             <a:fld id="{1A980C56-831A-4EAB-9EDE-57C090F4F877}" type="slidenum">
               <a:rPr lang="en-US" smtClean="0"/>
-              <a:t>20</a:t>
+              <a:t>19</a:t>
             </a:fld>
             <a:endParaRPr lang="en-US" dirty="0"/>
           </a:p>
@@ -13472,7 +12242,748 @@
 </p:sld>
 </file>
 
-<file path=ppt/slides/slide21.xml><?xml version="1.0" encoding="utf-8"?>
+<file path=ppt/slides/slide2.xml><?xml version="1.0" encoding="utf-8"?>
+<p:sld xmlns:a="http://schemas.openxmlformats.org/drawingml/2006/main" xmlns:r="http://schemas.openxmlformats.org/officeDocument/2006/relationships" xmlns:p="http://schemas.openxmlformats.org/presentationml/2006/main">
+  <p:cSld>
+    <p:spTree>
+      <p:nvGrpSpPr>
+        <p:cNvPr id="1" name=""/>
+        <p:cNvGrpSpPr/>
+        <p:nvPr/>
+      </p:nvGrpSpPr>
+      <p:grpSpPr>
+        <a:xfrm>
+          <a:off x="0" y="0"/>
+          <a:ext cx="0" cy="0"/>
+          <a:chOff x="0" y="0"/>
+          <a:chExt cx="0" cy="0"/>
+        </a:xfrm>
+      </p:grpSpPr>
+      <p:sp>
+        <p:nvSpPr>
+          <p:cNvPr id="2" name="Title 1">
+            <a:extLst>
+              <a:ext uri="{FF2B5EF4-FFF2-40B4-BE49-F238E27FC236}">
+                <a16:creationId xmlns:a16="http://schemas.microsoft.com/office/drawing/2014/main" id="{1206D185-1E7B-895B-A0CD-D2AD49EFBE61}"/>
+              </a:ext>
+            </a:extLst>
+          </p:cNvPr>
+          <p:cNvSpPr>
+            <a:spLocks noGrp="1"/>
+          </p:cNvSpPr>
+          <p:nvPr>
+            <p:ph type="title"/>
+          </p:nvPr>
+        </p:nvSpPr>
+        <p:spPr/>
+        <p:txBody>
+          <a:bodyPr/>
+          <a:lstStyle/>
+          <a:p>
+            <a:r>
+              <a:rPr lang="en-US" dirty="0"/>
+              <a:t>Monopolistic Competition</a:t>
+            </a:r>
+          </a:p>
+        </p:txBody>
+      </p:sp>
+      <p:sp>
+        <p:nvSpPr>
+          <p:cNvPr id="3" name="Content Placeholder 2">
+            <a:extLst>
+              <a:ext uri="{FF2B5EF4-FFF2-40B4-BE49-F238E27FC236}">
+                <a16:creationId xmlns:a16="http://schemas.microsoft.com/office/drawing/2014/main" id="{92C7796F-19F0-FD06-D013-BC38DE87E310}"/>
+              </a:ext>
+            </a:extLst>
+          </p:cNvPr>
+          <p:cNvSpPr>
+            <a:spLocks noGrp="1"/>
+          </p:cNvSpPr>
+          <p:nvPr>
+            <p:ph idx="1"/>
+          </p:nvPr>
+        </p:nvSpPr>
+        <p:spPr/>
+        <p:txBody>
+          <a:bodyPr>
+            <a:normAutofit/>
+          </a:bodyPr>
+          <a:lstStyle/>
+          <a:p>
+            <a:r>
+              <a:rPr lang="en-US" dirty="0"/>
+              <a:t>Today we examine some more departures from the five assumptions of a perfectly competitive market.</a:t>
+            </a:r>
+          </a:p>
+          <a:p>
+            <a:pPr marL="914400" lvl="1" indent="-457200">
+              <a:buFont typeface="+mj-lt"/>
+              <a:buAutoNum type="arabicPeriod"/>
+            </a:pPr>
+            <a:r>
+              <a:rPr lang="en-US" dirty="0"/>
+              <a:t>Infinite number of producers and consumers, and</a:t>
+            </a:r>
+          </a:p>
+          <a:p>
+            <a:pPr marL="914400" lvl="1" indent="-457200">
+              <a:buFont typeface="+mj-lt"/>
+              <a:buAutoNum type="arabicPeriod"/>
+            </a:pPr>
+            <a:r>
+              <a:rPr lang="en-US" dirty="0"/>
+              <a:t>Homogeneous products, and</a:t>
+            </a:r>
+          </a:p>
+          <a:p>
+            <a:pPr marL="914400" lvl="1" indent="-457200">
+              <a:buFont typeface="+mj-lt"/>
+              <a:buAutoNum type="arabicPeriod"/>
+            </a:pPr>
+            <a:r>
+              <a:rPr lang="en-US" dirty="0"/>
+              <a:t>Perfect information, and</a:t>
+            </a:r>
+          </a:p>
+          <a:p>
+            <a:pPr marL="914400" lvl="1" indent="-457200">
+              <a:buFont typeface="+mj-lt"/>
+              <a:buAutoNum type="arabicPeriod"/>
+            </a:pPr>
+            <a:r>
+              <a:rPr lang="en-US" dirty="0"/>
+              <a:t>Free entry and exit, and</a:t>
+            </a:r>
+          </a:p>
+          <a:p>
+            <a:pPr marL="914400" lvl="1" indent="-457200">
+              <a:buFont typeface="+mj-lt"/>
+              <a:buAutoNum type="arabicPeriod"/>
+            </a:pPr>
+            <a:r>
+              <a:rPr lang="en-US" dirty="0"/>
+              <a:t>Zero transaction costs.</a:t>
+            </a:r>
+          </a:p>
+          <a:p>
+            <a:pPr lvl="3"/>
+            <a:endParaRPr lang="en-US" dirty="0"/>
+          </a:p>
+          <a:p>
+            <a:r>
+              <a:rPr lang="en-US" dirty="0"/>
+              <a:t>First, we will examine the market when rule 2 is broken.</a:t>
+            </a:r>
+          </a:p>
+          <a:p>
+            <a:pPr lvl="1"/>
+            <a:r>
+              <a:rPr lang="en-US" dirty="0"/>
+              <a:t>Breaking Rule #2: Differentiated Products.</a:t>
+            </a:r>
+          </a:p>
+          <a:p>
+            <a:pPr lvl="3"/>
+            <a:endParaRPr lang="en-US" dirty="0"/>
+          </a:p>
+          <a:p>
+            <a:r>
+              <a:rPr lang="en-US" dirty="0"/>
+              <a:t>We call this “Monopolistic Competition.”</a:t>
+            </a:r>
+          </a:p>
+        </p:txBody>
+      </p:sp>
+      <p:sp>
+        <p:nvSpPr>
+          <p:cNvPr id="4" name="Date Placeholder 3">
+            <a:extLst>
+              <a:ext uri="{FF2B5EF4-FFF2-40B4-BE49-F238E27FC236}">
+                <a16:creationId xmlns:a16="http://schemas.microsoft.com/office/drawing/2014/main" id="{6416C1B3-AD2F-94ED-08FE-73EB9D9394AA}"/>
+              </a:ext>
+            </a:extLst>
+          </p:cNvPr>
+          <p:cNvSpPr>
+            <a:spLocks noGrp="1"/>
+          </p:cNvSpPr>
+          <p:nvPr>
+            <p:ph type="dt" sz="half" idx="10"/>
+          </p:nvPr>
+        </p:nvSpPr>
+        <p:spPr/>
+        <p:txBody>
+          <a:bodyPr/>
+          <a:lstStyle/>
+          <a:p>
+            <a:r>
+              <a:rPr lang="en-US"/>
+              <a:t>Fall 2023</a:t>
+            </a:r>
+            <a:endParaRPr lang="en-US" dirty="0"/>
+          </a:p>
+        </p:txBody>
+      </p:sp>
+      <p:sp>
+        <p:nvSpPr>
+          <p:cNvPr id="5" name="Footer Placeholder 4">
+            <a:extLst>
+              <a:ext uri="{FF2B5EF4-FFF2-40B4-BE49-F238E27FC236}">
+                <a16:creationId xmlns:a16="http://schemas.microsoft.com/office/drawing/2014/main" id="{6A3B92C5-753A-31FD-4325-D265D2C9AFE6}"/>
+              </a:ext>
+            </a:extLst>
+          </p:cNvPr>
+          <p:cNvSpPr>
+            <a:spLocks noGrp="1"/>
+          </p:cNvSpPr>
+          <p:nvPr>
+            <p:ph type="ftr" sz="quarter" idx="11"/>
+          </p:nvPr>
+        </p:nvSpPr>
+        <p:spPr/>
+        <p:txBody>
+          <a:bodyPr/>
+          <a:lstStyle/>
+          <a:p>
+            <a:r>
+              <a:rPr lang="en-US"/>
+              <a:t>DEPARTMENT OF BUSINESS &amp; ECONOMICS</a:t>
+            </a:r>
+            <a:endParaRPr lang="en-US" dirty="0"/>
+          </a:p>
+        </p:txBody>
+      </p:sp>
+      <p:sp>
+        <p:nvSpPr>
+          <p:cNvPr id="6" name="Slide Number Placeholder 5">
+            <a:extLst>
+              <a:ext uri="{FF2B5EF4-FFF2-40B4-BE49-F238E27FC236}">
+                <a16:creationId xmlns:a16="http://schemas.microsoft.com/office/drawing/2014/main" id="{7012C691-6ADD-ED94-3DA2-905038385B1B}"/>
+              </a:ext>
+            </a:extLst>
+          </p:cNvPr>
+          <p:cNvSpPr>
+            <a:spLocks noGrp="1"/>
+          </p:cNvSpPr>
+          <p:nvPr>
+            <p:ph type="sldNum" sz="quarter" idx="12"/>
+          </p:nvPr>
+        </p:nvSpPr>
+        <p:spPr/>
+        <p:txBody>
+          <a:bodyPr/>
+          <a:lstStyle/>
+          <a:p>
+            <a:fld id="{1A980C56-831A-4EAB-9EDE-57C090F4F877}" type="slidenum">
+              <a:rPr lang="en-US" smtClean="0"/>
+              <a:t>2</a:t>
+            </a:fld>
+            <a:endParaRPr lang="en-US" dirty="0"/>
+          </a:p>
+        </p:txBody>
+      </p:sp>
+    </p:spTree>
+    <p:extLst>
+      <p:ext uri="{BB962C8B-B14F-4D97-AF65-F5344CB8AC3E}">
+        <p14:creationId xmlns:p14="http://schemas.microsoft.com/office/powerpoint/2010/main" val="811093041"/>
+      </p:ext>
+    </p:extLst>
+  </p:cSld>
+  <p:clrMapOvr>
+    <a:masterClrMapping/>
+  </p:clrMapOvr>
+  <p:timing>
+    <p:tnLst>
+      <p:par>
+        <p:cTn id="1" dur="indefinite" restart="never" nodeType="tmRoot">
+          <p:childTnLst>
+            <p:seq concurrent="1" nextAc="seek">
+              <p:cTn id="2" dur="indefinite" nodeType="mainSeq">
+                <p:childTnLst>
+                  <p:par>
+                    <p:cTn id="3" fill="hold">
+                      <p:stCondLst>
+                        <p:cond delay="indefinite"/>
+                      </p:stCondLst>
+                      <p:childTnLst>
+                        <p:par>
+                          <p:cTn id="4" fill="hold">
+                            <p:stCondLst>
+                              <p:cond delay="0"/>
+                            </p:stCondLst>
+                            <p:childTnLst>
+                              <p:par>
+                                <p:cTn id="5" presetID="10" presetClass="entr" presetSubtype="0" fill="hold" nodeType="clickEffect">
+                                  <p:stCondLst>
+                                    <p:cond delay="0"/>
+                                  </p:stCondLst>
+                                  <p:childTnLst>
+                                    <p:set>
+                                      <p:cBhvr>
+                                        <p:cTn id="6" dur="1" fill="hold">
+                                          <p:stCondLst>
+                                            <p:cond delay="0"/>
+                                          </p:stCondLst>
+                                        </p:cTn>
+                                        <p:tgtEl>
+                                          <p:spTgt spid="3">
+                                            <p:txEl>
+                                              <p:pRg st="0" end="0"/>
+                                            </p:txEl>
+                                          </p:spTgt>
+                                        </p:tgtEl>
+                                        <p:attrNameLst>
+                                          <p:attrName>style.visibility</p:attrName>
+                                        </p:attrNameLst>
+                                      </p:cBhvr>
+                                      <p:to>
+                                        <p:strVal val="visible"/>
+                                      </p:to>
+                                    </p:set>
+                                    <p:animEffect transition="in" filter="fade">
+                                      <p:cBhvr>
+                                        <p:cTn id="7" dur="500"/>
+                                        <p:tgtEl>
+                                          <p:spTgt spid="3">
+                                            <p:txEl>
+                                              <p:pRg st="0" end="0"/>
+                                            </p:txEl>
+                                          </p:spTgt>
+                                        </p:tgtEl>
+                                      </p:cBhvr>
+                                    </p:animEffect>
+                                  </p:childTnLst>
+                                </p:cTn>
+                              </p:par>
+                            </p:childTnLst>
+                          </p:cTn>
+                        </p:par>
+                      </p:childTnLst>
+                    </p:cTn>
+                  </p:par>
+                  <p:par>
+                    <p:cTn id="8" fill="hold">
+                      <p:stCondLst>
+                        <p:cond delay="indefinite"/>
+                      </p:stCondLst>
+                      <p:childTnLst>
+                        <p:par>
+                          <p:cTn id="9" fill="hold">
+                            <p:stCondLst>
+                              <p:cond delay="0"/>
+                            </p:stCondLst>
+                            <p:childTnLst>
+                              <p:par>
+                                <p:cTn id="10" presetID="10" presetClass="entr" presetSubtype="0" fill="hold" nodeType="clickEffect">
+                                  <p:stCondLst>
+                                    <p:cond delay="0"/>
+                                  </p:stCondLst>
+                                  <p:childTnLst>
+                                    <p:set>
+                                      <p:cBhvr>
+                                        <p:cTn id="11" dur="1" fill="hold">
+                                          <p:stCondLst>
+                                            <p:cond delay="0"/>
+                                          </p:stCondLst>
+                                        </p:cTn>
+                                        <p:tgtEl>
+                                          <p:spTgt spid="3">
+                                            <p:txEl>
+                                              <p:pRg st="1" end="1"/>
+                                            </p:txEl>
+                                          </p:spTgt>
+                                        </p:tgtEl>
+                                        <p:attrNameLst>
+                                          <p:attrName>style.visibility</p:attrName>
+                                        </p:attrNameLst>
+                                      </p:cBhvr>
+                                      <p:to>
+                                        <p:strVal val="visible"/>
+                                      </p:to>
+                                    </p:set>
+                                    <p:animEffect transition="in" filter="fade">
+                                      <p:cBhvr>
+                                        <p:cTn id="12" dur="500"/>
+                                        <p:tgtEl>
+                                          <p:spTgt spid="3">
+                                            <p:txEl>
+                                              <p:pRg st="1" end="1"/>
+                                            </p:txEl>
+                                          </p:spTgt>
+                                        </p:tgtEl>
+                                      </p:cBhvr>
+                                    </p:animEffect>
+                                  </p:childTnLst>
+                                </p:cTn>
+                              </p:par>
+                              <p:par>
+                                <p:cTn id="13" presetID="10" presetClass="entr" presetSubtype="0" fill="hold" nodeType="withEffect">
+                                  <p:stCondLst>
+                                    <p:cond delay="0"/>
+                                  </p:stCondLst>
+                                  <p:childTnLst>
+                                    <p:set>
+                                      <p:cBhvr>
+                                        <p:cTn id="14" dur="1" fill="hold">
+                                          <p:stCondLst>
+                                            <p:cond delay="0"/>
+                                          </p:stCondLst>
+                                        </p:cTn>
+                                        <p:tgtEl>
+                                          <p:spTgt spid="3">
+                                            <p:txEl>
+                                              <p:pRg st="2" end="2"/>
+                                            </p:txEl>
+                                          </p:spTgt>
+                                        </p:tgtEl>
+                                        <p:attrNameLst>
+                                          <p:attrName>style.visibility</p:attrName>
+                                        </p:attrNameLst>
+                                      </p:cBhvr>
+                                      <p:to>
+                                        <p:strVal val="visible"/>
+                                      </p:to>
+                                    </p:set>
+                                    <p:animEffect transition="in" filter="fade">
+                                      <p:cBhvr>
+                                        <p:cTn id="15" dur="500"/>
+                                        <p:tgtEl>
+                                          <p:spTgt spid="3">
+                                            <p:txEl>
+                                              <p:pRg st="2" end="2"/>
+                                            </p:txEl>
+                                          </p:spTgt>
+                                        </p:tgtEl>
+                                      </p:cBhvr>
+                                    </p:animEffect>
+                                  </p:childTnLst>
+                                </p:cTn>
+                              </p:par>
+                              <p:par>
+                                <p:cTn id="16" presetID="10" presetClass="entr" presetSubtype="0" fill="hold" nodeType="withEffect">
+                                  <p:stCondLst>
+                                    <p:cond delay="0"/>
+                                  </p:stCondLst>
+                                  <p:childTnLst>
+                                    <p:set>
+                                      <p:cBhvr>
+                                        <p:cTn id="17" dur="1" fill="hold">
+                                          <p:stCondLst>
+                                            <p:cond delay="0"/>
+                                          </p:stCondLst>
+                                        </p:cTn>
+                                        <p:tgtEl>
+                                          <p:spTgt spid="3">
+                                            <p:txEl>
+                                              <p:pRg st="3" end="3"/>
+                                            </p:txEl>
+                                          </p:spTgt>
+                                        </p:tgtEl>
+                                        <p:attrNameLst>
+                                          <p:attrName>style.visibility</p:attrName>
+                                        </p:attrNameLst>
+                                      </p:cBhvr>
+                                      <p:to>
+                                        <p:strVal val="visible"/>
+                                      </p:to>
+                                    </p:set>
+                                    <p:animEffect transition="in" filter="fade">
+                                      <p:cBhvr>
+                                        <p:cTn id="18" dur="500"/>
+                                        <p:tgtEl>
+                                          <p:spTgt spid="3">
+                                            <p:txEl>
+                                              <p:pRg st="3" end="3"/>
+                                            </p:txEl>
+                                          </p:spTgt>
+                                        </p:tgtEl>
+                                      </p:cBhvr>
+                                    </p:animEffect>
+                                  </p:childTnLst>
+                                </p:cTn>
+                              </p:par>
+                              <p:par>
+                                <p:cTn id="19" presetID="10" presetClass="entr" presetSubtype="0" fill="hold" nodeType="withEffect">
+                                  <p:stCondLst>
+                                    <p:cond delay="0"/>
+                                  </p:stCondLst>
+                                  <p:childTnLst>
+                                    <p:set>
+                                      <p:cBhvr>
+                                        <p:cTn id="20" dur="1" fill="hold">
+                                          <p:stCondLst>
+                                            <p:cond delay="0"/>
+                                          </p:stCondLst>
+                                        </p:cTn>
+                                        <p:tgtEl>
+                                          <p:spTgt spid="3">
+                                            <p:txEl>
+                                              <p:pRg st="4" end="4"/>
+                                            </p:txEl>
+                                          </p:spTgt>
+                                        </p:tgtEl>
+                                        <p:attrNameLst>
+                                          <p:attrName>style.visibility</p:attrName>
+                                        </p:attrNameLst>
+                                      </p:cBhvr>
+                                      <p:to>
+                                        <p:strVal val="visible"/>
+                                      </p:to>
+                                    </p:set>
+                                    <p:animEffect transition="in" filter="fade">
+                                      <p:cBhvr>
+                                        <p:cTn id="21" dur="500"/>
+                                        <p:tgtEl>
+                                          <p:spTgt spid="3">
+                                            <p:txEl>
+                                              <p:pRg st="4" end="4"/>
+                                            </p:txEl>
+                                          </p:spTgt>
+                                        </p:tgtEl>
+                                      </p:cBhvr>
+                                    </p:animEffect>
+                                  </p:childTnLst>
+                                </p:cTn>
+                              </p:par>
+                              <p:par>
+                                <p:cTn id="22" presetID="10" presetClass="entr" presetSubtype="0" fill="hold" nodeType="withEffect">
+                                  <p:stCondLst>
+                                    <p:cond delay="0"/>
+                                  </p:stCondLst>
+                                  <p:childTnLst>
+                                    <p:set>
+                                      <p:cBhvr>
+                                        <p:cTn id="23" dur="1" fill="hold">
+                                          <p:stCondLst>
+                                            <p:cond delay="0"/>
+                                          </p:stCondLst>
+                                        </p:cTn>
+                                        <p:tgtEl>
+                                          <p:spTgt spid="3">
+                                            <p:txEl>
+                                              <p:pRg st="5" end="5"/>
+                                            </p:txEl>
+                                          </p:spTgt>
+                                        </p:tgtEl>
+                                        <p:attrNameLst>
+                                          <p:attrName>style.visibility</p:attrName>
+                                        </p:attrNameLst>
+                                      </p:cBhvr>
+                                      <p:to>
+                                        <p:strVal val="visible"/>
+                                      </p:to>
+                                    </p:set>
+                                    <p:animEffect transition="in" filter="fade">
+                                      <p:cBhvr>
+                                        <p:cTn id="24" dur="500"/>
+                                        <p:tgtEl>
+                                          <p:spTgt spid="3">
+                                            <p:txEl>
+                                              <p:pRg st="5" end="5"/>
+                                            </p:txEl>
+                                          </p:spTgt>
+                                        </p:tgtEl>
+                                      </p:cBhvr>
+                                    </p:animEffect>
+                                  </p:childTnLst>
+                                </p:cTn>
+                              </p:par>
+                            </p:childTnLst>
+                          </p:cTn>
+                        </p:par>
+                      </p:childTnLst>
+                    </p:cTn>
+                  </p:par>
+                  <p:par>
+                    <p:cTn id="25" fill="hold">
+                      <p:stCondLst>
+                        <p:cond delay="indefinite"/>
+                      </p:stCondLst>
+                      <p:childTnLst>
+                        <p:par>
+                          <p:cTn id="26" fill="hold">
+                            <p:stCondLst>
+                              <p:cond delay="0"/>
+                            </p:stCondLst>
+                            <p:childTnLst>
+                              <p:par>
+                                <p:cTn id="27" presetID="10" presetClass="entr" presetSubtype="0" fill="hold" nodeType="clickEffect">
+                                  <p:stCondLst>
+                                    <p:cond delay="0"/>
+                                  </p:stCondLst>
+                                  <p:childTnLst>
+                                    <p:set>
+                                      <p:cBhvr>
+                                        <p:cTn id="28" dur="1" fill="hold">
+                                          <p:stCondLst>
+                                            <p:cond delay="0"/>
+                                          </p:stCondLst>
+                                        </p:cTn>
+                                        <p:tgtEl>
+                                          <p:spTgt spid="3">
+                                            <p:txEl>
+                                              <p:pRg st="7" end="7"/>
+                                            </p:txEl>
+                                          </p:spTgt>
+                                        </p:tgtEl>
+                                        <p:attrNameLst>
+                                          <p:attrName>style.visibility</p:attrName>
+                                        </p:attrNameLst>
+                                      </p:cBhvr>
+                                      <p:to>
+                                        <p:strVal val="visible"/>
+                                      </p:to>
+                                    </p:set>
+                                    <p:animEffect transition="in" filter="fade">
+                                      <p:cBhvr>
+                                        <p:cTn id="29" dur="500"/>
+                                        <p:tgtEl>
+                                          <p:spTgt spid="3">
+                                            <p:txEl>
+                                              <p:pRg st="7" end="7"/>
+                                            </p:txEl>
+                                          </p:spTgt>
+                                        </p:tgtEl>
+                                      </p:cBhvr>
+                                    </p:animEffect>
+                                  </p:childTnLst>
+                                </p:cTn>
+                              </p:par>
+                              <p:par>
+                                <p:cTn id="30" presetID="10" presetClass="entr" presetSubtype="0" fill="hold" nodeType="withEffect">
+                                  <p:stCondLst>
+                                    <p:cond delay="0"/>
+                                  </p:stCondLst>
+                                  <p:childTnLst>
+                                    <p:set>
+                                      <p:cBhvr>
+                                        <p:cTn id="31" dur="1" fill="hold">
+                                          <p:stCondLst>
+                                            <p:cond delay="0"/>
+                                          </p:stCondLst>
+                                        </p:cTn>
+                                        <p:tgtEl>
+                                          <p:spTgt spid="3">
+                                            <p:txEl>
+                                              <p:pRg st="8" end="8"/>
+                                            </p:txEl>
+                                          </p:spTgt>
+                                        </p:tgtEl>
+                                        <p:attrNameLst>
+                                          <p:attrName>style.visibility</p:attrName>
+                                        </p:attrNameLst>
+                                      </p:cBhvr>
+                                      <p:to>
+                                        <p:strVal val="visible"/>
+                                      </p:to>
+                                    </p:set>
+                                    <p:animEffect transition="in" filter="fade">
+                                      <p:cBhvr>
+                                        <p:cTn id="32" dur="500"/>
+                                        <p:tgtEl>
+                                          <p:spTgt spid="3">
+                                            <p:txEl>
+                                              <p:pRg st="8" end="8"/>
+                                            </p:txEl>
+                                          </p:spTgt>
+                                        </p:tgtEl>
+                                      </p:cBhvr>
+                                    </p:animEffect>
+                                  </p:childTnLst>
+                                </p:cTn>
+                              </p:par>
+                            </p:childTnLst>
+                          </p:cTn>
+                        </p:par>
+                      </p:childTnLst>
+                    </p:cTn>
+                  </p:par>
+                  <p:par>
+                    <p:cTn id="33" fill="hold">
+                      <p:stCondLst>
+                        <p:cond delay="indefinite"/>
+                      </p:stCondLst>
+                      <p:childTnLst>
+                        <p:par>
+                          <p:cTn id="34" fill="hold">
+                            <p:stCondLst>
+                              <p:cond delay="0"/>
+                            </p:stCondLst>
+                            <p:childTnLst>
+                              <p:par>
+                                <p:cTn id="35" presetID="10" presetClass="entr" presetSubtype="0" fill="hold" nodeType="clickEffect">
+                                  <p:stCondLst>
+                                    <p:cond delay="0"/>
+                                  </p:stCondLst>
+                                  <p:childTnLst>
+                                    <p:set>
+                                      <p:cBhvr>
+                                        <p:cTn id="36" dur="1" fill="hold">
+                                          <p:stCondLst>
+                                            <p:cond delay="0"/>
+                                          </p:stCondLst>
+                                        </p:cTn>
+                                        <p:tgtEl>
+                                          <p:spTgt spid="3">
+                                            <p:txEl>
+                                              <p:pRg st="10" end="10"/>
+                                            </p:txEl>
+                                          </p:spTgt>
+                                        </p:tgtEl>
+                                        <p:attrNameLst>
+                                          <p:attrName>style.visibility</p:attrName>
+                                        </p:attrNameLst>
+                                      </p:cBhvr>
+                                      <p:to>
+                                        <p:strVal val="visible"/>
+                                      </p:to>
+                                    </p:set>
+                                    <p:animEffect transition="in" filter="fade">
+                                      <p:cBhvr>
+                                        <p:cTn id="37" dur="500"/>
+                                        <p:tgtEl>
+                                          <p:spTgt spid="3">
+                                            <p:txEl>
+                                              <p:pRg st="10" end="10"/>
+                                            </p:txEl>
+                                          </p:spTgt>
+                                        </p:tgtEl>
+                                      </p:cBhvr>
+                                    </p:animEffect>
+                                  </p:childTnLst>
+                                </p:cTn>
+                              </p:par>
+                            </p:childTnLst>
+                          </p:cTn>
+                        </p:par>
+                      </p:childTnLst>
+                    </p:cTn>
+                  </p:par>
+                </p:childTnLst>
+              </p:cTn>
+              <p:prevCondLst>
+                <p:cond evt="onPrev" delay="0">
+                  <p:tgtEl>
+                    <p:sldTgt/>
+                  </p:tgtEl>
+                </p:cond>
+              </p:prevCondLst>
+              <p:nextCondLst>
+                <p:cond evt="onNext" delay="0">
+                  <p:tgtEl>
+                    <p:sldTgt/>
+                  </p:tgtEl>
+                </p:cond>
+              </p:nextCondLst>
+            </p:seq>
+          </p:childTnLst>
+        </p:cTn>
+      </p:par>
+    </p:tnLst>
+  </p:timing>
+</p:sld>
+</file>
+
+<file path=ppt/slides/slide20.xml><?xml version="1.0" encoding="utf-8"?>
 <p:sld xmlns:a="http://schemas.openxmlformats.org/drawingml/2006/main" xmlns:r="http://schemas.openxmlformats.org/officeDocument/2006/relationships" xmlns:p="http://schemas.openxmlformats.org/presentationml/2006/main">
   <p:cSld>
     <p:spTree>
@@ -13517,8 +13028,8 @@
           </a:p>
         </p:txBody>
       </p:sp>
-      <mc:AlternateContent xmlns:mc="http://schemas.openxmlformats.org/markup-compatibility/2006">
-        <mc:Choice xmlns:a14="http://schemas.microsoft.com/office/drawing/2010/main" Requires="a14">
+      <mc:AlternateContent xmlns:mc="http://schemas.openxmlformats.org/markup-compatibility/2006" xmlns:a14="http://schemas.microsoft.com/office/drawing/2010/main">
+        <mc:Choice Requires="a14">
           <p:sp>
             <p:nvSpPr>
               <p:cNvPr id="3" name="Content Placeholder 2">
@@ -13928,7 +13439,7 @@
             </p:txBody>
           </p:sp>
         </mc:Choice>
-        <mc:Fallback>
+        <mc:Fallback xmlns="">
           <p:sp>
             <p:nvSpPr>
               <p:cNvPr id="3" name="Content Placeholder 2">
@@ -14049,7 +13560,7 @@
           <a:p>
             <a:fld id="{1A980C56-831A-4EAB-9EDE-57C090F4F877}" type="slidenum">
               <a:rPr lang="en-US" smtClean="0"/>
-              <a:t>21</a:t>
+              <a:t>20</a:t>
             </a:fld>
             <a:endParaRPr lang="en-US" dirty="0"/>
           </a:p>
@@ -14306,7 +13817,7 @@
 </p:sld>
 </file>
 
-<file path=ppt/slides/slide22.xml><?xml version="1.0" encoding="utf-8"?>
+<file path=ppt/slides/slide21.xml><?xml version="1.0" encoding="utf-8"?>
 <p:sld xmlns:a="http://schemas.openxmlformats.org/drawingml/2006/main" xmlns:r="http://schemas.openxmlformats.org/officeDocument/2006/relationships" xmlns:p="http://schemas.openxmlformats.org/presentationml/2006/main">
   <p:cSld>
     <p:spTree>
@@ -15392,7 +14903,7 @@
           <a:p>
             <a:fld id="{1A980C56-831A-4EAB-9EDE-57C090F4F877}" type="slidenum">
               <a:rPr lang="en-US" smtClean="0"/>
-              <a:t>22</a:t>
+              <a:t>21</a:t>
             </a:fld>
             <a:endParaRPr lang="en-US" dirty="0"/>
           </a:p>
@@ -15839,7 +15350,7 @@
 </p:sld>
 </file>
 
-<file path=ppt/slides/slide23.xml><?xml version="1.0" encoding="utf-8"?>
+<file path=ppt/slides/slide22.xml><?xml version="1.0" encoding="utf-8"?>
 <p:sld xmlns:a="http://schemas.openxmlformats.org/drawingml/2006/main" xmlns:r="http://schemas.openxmlformats.org/officeDocument/2006/relationships" xmlns:p="http://schemas.openxmlformats.org/presentationml/2006/main">
   <p:cSld>
     <p:spTree>
@@ -16883,7 +16394,7 @@
           <a:p>
             <a:fld id="{1A980C56-831A-4EAB-9EDE-57C090F4F877}" type="slidenum">
               <a:rPr lang="en-US" smtClean="0"/>
-              <a:t>23</a:t>
+              <a:t>22</a:t>
             </a:fld>
             <a:endParaRPr lang="en-US" dirty="0"/>
           </a:p>
@@ -17140,7 +16651,7 @@
 </p:sld>
 </file>
 
-<file path=ppt/slides/slide24.xml><?xml version="1.0" encoding="utf-8"?>
+<file path=ppt/slides/slide23.xml><?xml version="1.0" encoding="utf-8"?>
 <p:sld xmlns:a="http://schemas.openxmlformats.org/drawingml/2006/main" xmlns:r="http://schemas.openxmlformats.org/officeDocument/2006/relationships" xmlns:p="http://schemas.openxmlformats.org/presentationml/2006/main">
   <p:cSld>
     <p:spTree>
@@ -17834,7 +17345,7 @@
           <a:p>
             <a:fld id="{1A980C56-831A-4EAB-9EDE-57C090F4F877}" type="slidenum">
               <a:rPr lang="en-US" smtClean="0"/>
-              <a:t>24</a:t>
+              <a:t>23</a:t>
             </a:fld>
             <a:endParaRPr lang="en-US" dirty="0"/>
           </a:p>
@@ -18350,7 +17861,7 @@
 </p:sld>
 </file>
 
-<file path=ppt/slides/slide25.xml><?xml version="1.0" encoding="utf-8"?>
+<file path=ppt/slides/slide24.xml><?xml version="1.0" encoding="utf-8"?>
 <p:sld xmlns:a="http://schemas.openxmlformats.org/drawingml/2006/main" xmlns:r="http://schemas.openxmlformats.org/officeDocument/2006/relationships" xmlns:p="http://schemas.openxmlformats.org/presentationml/2006/main">
   <p:cSld>
     <p:spTree>
@@ -18842,7 +18353,7 @@
           <a:p>
             <a:fld id="{1A980C56-831A-4EAB-9EDE-57C090F4F877}" type="slidenum">
               <a:rPr lang="en-US" smtClean="0"/>
-              <a:t>25</a:t>
+              <a:t>24</a:t>
             </a:fld>
             <a:endParaRPr lang="en-US" dirty="0"/>
           </a:p>
@@ -19332,7 +18843,7 @@
 </p:sld>
 </file>
 
-<file path=ppt/slides/slide26.xml><?xml version="1.0" encoding="utf-8"?>
+<file path=ppt/slides/slide25.xml><?xml version="1.0" encoding="utf-8"?>
 <p:sld xmlns:a="http://schemas.openxmlformats.org/drawingml/2006/main" xmlns:r="http://schemas.openxmlformats.org/officeDocument/2006/relationships" xmlns:p="http://schemas.openxmlformats.org/presentationml/2006/main">
   <p:cSld>
     <p:spTree>
@@ -19377,8 +18888,8 @@
           </a:p>
         </p:txBody>
       </p:sp>
-      <mc:AlternateContent xmlns:mc="http://schemas.openxmlformats.org/markup-compatibility/2006">
-        <mc:Choice xmlns:a14="http://schemas.microsoft.com/office/drawing/2010/main" Requires="a14">
+      <mc:AlternateContent xmlns:mc="http://schemas.openxmlformats.org/markup-compatibility/2006" xmlns:a14="http://schemas.microsoft.com/office/drawing/2010/main">
+        <mc:Choice Requires="a14">
           <p:sp>
             <p:nvSpPr>
               <p:cNvPr id="3" name="Content Placeholder 2">
@@ -19564,13 +19075,7 @@
                       <a:rPr lang="en-US" b="0" i="1" smtClean="0">
                         <a:latin typeface="Cambria Math" panose="02040503050406030204" pitchFamily="18" charset="0"/>
                       </a:rPr>
-                      <m:t>=40⋅15</m:t>
-                    </m:r>
-                    <m:r>
-                      <a:rPr lang="en-US" b="0" i="1" smtClean="0">
-                        <a:latin typeface="Cambria Math" panose="02040503050406030204" pitchFamily="18" charset="0"/>
-                      </a:rPr>
-                      <m:t>−</m:t>
+                      <m:t>=40⋅15−</m:t>
                     </m:r>
                     <m:d>
                       <m:dPr>
@@ -19619,13 +19124,7 @@
                       <a:rPr lang="en-US" b="0" i="1" smtClean="0">
                         <a:latin typeface="Cambria Math" panose="02040503050406030204" pitchFamily="18" charset="0"/>
                       </a:rPr>
-                      <m:t>=</m:t>
-                    </m:r>
-                    <m:r>
-                      <a:rPr lang="en-US" b="0" i="1" smtClean="0">
-                        <a:latin typeface="Cambria Math" panose="02040503050406030204" pitchFamily="18" charset="0"/>
-                      </a:rPr>
-                      <m:t>400</m:t>
+                      <m:t>=400</m:t>
                     </m:r>
                   </m:oMath>
                 </a14:m>
@@ -19644,7 +19143,7 @@
             </p:txBody>
           </p:sp>
         </mc:Choice>
-        <mc:Fallback>
+        <mc:Fallback xmlns="">
           <p:sp>
             <p:nvSpPr>
               <p:cNvPr id="3" name="Content Placeholder 2">
@@ -19765,7 +19264,7 @@
           <a:p>
             <a:fld id="{1A980C56-831A-4EAB-9EDE-57C090F4F877}" type="slidenum">
               <a:rPr lang="en-US" smtClean="0"/>
-              <a:t>26</a:t>
+              <a:t>25</a:t>
             </a:fld>
             <a:endParaRPr lang="en-US" dirty="0"/>
           </a:p>
@@ -20083,7 +19582,7 @@
 </p:sld>
 </file>
 
-<file path=ppt/slides/slide27.xml><?xml version="1.0" encoding="utf-8"?>
+<file path=ppt/slides/slide26.xml><?xml version="1.0" encoding="utf-8"?>
 <p:sld xmlns:a="http://schemas.openxmlformats.org/drawingml/2006/main" xmlns:r="http://schemas.openxmlformats.org/officeDocument/2006/relationships" xmlns:p="http://schemas.openxmlformats.org/presentationml/2006/main">
   <p:cSld>
     <p:spTree>
@@ -20612,7 +20111,7 @@
           <a:p>
             <a:fld id="{1A980C56-831A-4EAB-9EDE-57C090F4F877}" type="slidenum">
               <a:rPr lang="en-US" smtClean="0"/>
-              <a:t>27</a:t>
+              <a:t>26</a:t>
             </a:fld>
             <a:endParaRPr lang="en-US" dirty="0"/>
           </a:p>
@@ -21102,7 +20601,7 @@
 </p:sld>
 </file>
 
-<file path=ppt/slides/slide28.xml><?xml version="1.0" encoding="utf-8"?>
+<file path=ppt/slides/slide27.xml><?xml version="1.0" encoding="utf-8"?>
 <p:sld xmlns:a="http://schemas.openxmlformats.org/drawingml/2006/main" xmlns:r="http://schemas.openxmlformats.org/officeDocument/2006/relationships" xmlns:p="http://schemas.openxmlformats.org/presentationml/2006/main">
   <p:cSld>
     <p:spTree>
@@ -21147,8 +20646,8 @@
           </a:p>
         </p:txBody>
       </p:sp>
-      <mc:AlternateContent xmlns:mc="http://schemas.openxmlformats.org/markup-compatibility/2006">
-        <mc:Choice xmlns:a14="http://schemas.microsoft.com/office/drawing/2010/main" Requires="a14">
+      <mc:AlternateContent xmlns:mc="http://schemas.openxmlformats.org/markup-compatibility/2006" xmlns:a14="http://schemas.microsoft.com/office/drawing/2010/main">
+        <mc:Choice Requires="a14">
           <p:sp>
             <p:nvSpPr>
               <p:cNvPr id="3" name="Content Placeholder 2">
@@ -21257,7 +20756,7 @@
             </p:txBody>
           </p:sp>
         </mc:Choice>
-        <mc:Fallback>
+        <mc:Fallback xmlns="">
           <p:sp>
             <p:nvSpPr>
               <p:cNvPr id="3" name="Content Placeholder 2">
@@ -21378,7 +20877,7 @@
           <a:p>
             <a:fld id="{1A980C56-831A-4EAB-9EDE-57C090F4F877}" type="slidenum">
               <a:rPr lang="en-US" smtClean="0"/>
-              <a:t>28</a:t>
+              <a:t>27</a:t>
             </a:fld>
             <a:endParaRPr lang="en-US" dirty="0"/>
           </a:p>
@@ -21793,7 +21292,7 @@
 </p:sld>
 </file>
 
-<file path=ppt/slides/slide29.xml><?xml version="1.0" encoding="utf-8"?>
+<file path=ppt/slides/slide28.xml><?xml version="1.0" encoding="utf-8"?>
 <p:sld xmlns:a="http://schemas.openxmlformats.org/drawingml/2006/main" xmlns:r="http://schemas.openxmlformats.org/officeDocument/2006/relationships" xmlns:p="http://schemas.openxmlformats.org/presentationml/2006/main">
   <p:cSld>
     <p:spTree>
@@ -21838,8 +21337,8 @@
           </a:p>
         </p:txBody>
       </p:sp>
-      <mc:AlternateContent xmlns:mc="http://schemas.openxmlformats.org/markup-compatibility/2006">
-        <mc:Choice xmlns:a14="http://schemas.microsoft.com/office/drawing/2010/main" Requires="a14">
+      <mc:AlternateContent xmlns:mc="http://schemas.openxmlformats.org/markup-compatibility/2006" xmlns:a14="http://schemas.microsoft.com/office/drawing/2010/main">
+        <mc:Choice Requires="a14">
           <p:sp>
             <p:nvSpPr>
               <p:cNvPr id="3" name="Content Placeholder 2">
@@ -22003,7 +21502,7 @@
             </p:txBody>
           </p:sp>
         </mc:Choice>
-        <mc:Fallback>
+        <mc:Fallback xmlns="">
           <p:sp>
             <p:nvSpPr>
               <p:cNvPr id="3" name="Content Placeholder 2">
@@ -22124,7 +21623,7 @@
           <a:p>
             <a:fld id="{1A980C56-831A-4EAB-9EDE-57C090F4F877}" type="slidenum">
               <a:rPr lang="en-US" smtClean="0"/>
-              <a:t>29</a:t>
+              <a:t>28</a:t>
             </a:fld>
             <a:endParaRPr lang="en-US" dirty="0"/>
           </a:p>
@@ -22417,486 +21916,7 @@
 </p:sld>
 </file>
 
-<file path=ppt/slides/slide3.xml><?xml version="1.0" encoding="utf-8"?>
-<p:sld xmlns:a="http://schemas.openxmlformats.org/drawingml/2006/main" xmlns:r="http://schemas.openxmlformats.org/officeDocument/2006/relationships" xmlns:p="http://schemas.openxmlformats.org/presentationml/2006/main">
-  <p:cSld>
-    <p:spTree>
-      <p:nvGrpSpPr>
-        <p:cNvPr id="1" name=""/>
-        <p:cNvGrpSpPr/>
-        <p:nvPr/>
-      </p:nvGrpSpPr>
-      <p:grpSpPr>
-        <a:xfrm>
-          <a:off x="0" y="0"/>
-          <a:ext cx="0" cy="0"/>
-          <a:chOff x="0" y="0"/>
-          <a:chExt cx="0" cy="0"/>
-        </a:xfrm>
-      </p:grpSpPr>
-      <p:sp>
-        <p:nvSpPr>
-          <p:cNvPr id="2" name="Title 1">
-            <a:extLst>
-              <a:ext uri="{FF2B5EF4-FFF2-40B4-BE49-F238E27FC236}">
-                <a16:creationId xmlns:a16="http://schemas.microsoft.com/office/drawing/2014/main" id="{1206D185-1E7B-895B-A0CD-D2AD49EFBE61}"/>
-              </a:ext>
-            </a:extLst>
-          </p:cNvPr>
-          <p:cNvSpPr>
-            <a:spLocks noGrp="1"/>
-          </p:cNvSpPr>
-          <p:nvPr>
-            <p:ph type="title"/>
-          </p:nvPr>
-        </p:nvSpPr>
-        <p:spPr/>
-        <p:txBody>
-          <a:bodyPr/>
-          <a:lstStyle/>
-          <a:p>
-            <a:r>
-              <a:rPr lang="en-US" dirty="0"/>
-              <a:t>Monopolistic Competition</a:t>
-            </a:r>
-          </a:p>
-        </p:txBody>
-      </p:sp>
-      <p:sp>
-        <p:nvSpPr>
-          <p:cNvPr id="3" name="Content Placeholder 2">
-            <a:extLst>
-              <a:ext uri="{FF2B5EF4-FFF2-40B4-BE49-F238E27FC236}">
-                <a16:creationId xmlns:a16="http://schemas.microsoft.com/office/drawing/2014/main" id="{92C7796F-19F0-FD06-D013-BC38DE87E310}"/>
-              </a:ext>
-            </a:extLst>
-          </p:cNvPr>
-          <p:cNvSpPr>
-            <a:spLocks noGrp="1"/>
-          </p:cNvSpPr>
-          <p:nvPr>
-            <p:ph idx="1"/>
-          </p:nvPr>
-        </p:nvSpPr>
-        <p:spPr/>
-        <p:txBody>
-          <a:bodyPr>
-            <a:normAutofit/>
-          </a:bodyPr>
-          <a:lstStyle/>
-          <a:p>
-            <a:r>
-              <a:rPr lang="en-US" dirty="0"/>
-              <a:t>The market power of individual firms exist to the extent that the consumers differentiate between the products.</a:t>
-            </a:r>
-          </a:p>
-          <a:p>
-            <a:pPr lvl="3"/>
-            <a:endParaRPr lang="en-US" dirty="0"/>
-          </a:p>
-          <a:p>
-            <a:r>
-              <a:rPr lang="en-US" dirty="0"/>
-              <a:t>If consumers believe that a firm’s product is different from its competitors, that firm will face a downward sloping demand curve.</a:t>
-            </a:r>
-          </a:p>
-          <a:p>
-            <a:pPr lvl="3"/>
-            <a:endParaRPr lang="en-US" dirty="0"/>
-          </a:p>
-          <a:p>
-            <a:r>
-              <a:rPr lang="en-US" dirty="0"/>
-              <a:t>When consumers believe that one firm’s product is more “differentiated,” the demand will be less elastic, and the firm will wield greater market power.</a:t>
-            </a:r>
-          </a:p>
-          <a:p>
-            <a:pPr lvl="3"/>
-            <a:endParaRPr lang="en-US" dirty="0"/>
-          </a:p>
-          <a:p>
-            <a:r>
-              <a:rPr lang="en-US" dirty="0"/>
-              <a:t>If you are running a firm with a differentiated product…</a:t>
-            </a:r>
-          </a:p>
-        </p:txBody>
-      </p:sp>
-      <p:sp>
-        <p:nvSpPr>
-          <p:cNvPr id="4" name="Date Placeholder 3">
-            <a:extLst>
-              <a:ext uri="{FF2B5EF4-FFF2-40B4-BE49-F238E27FC236}">
-                <a16:creationId xmlns:a16="http://schemas.microsoft.com/office/drawing/2014/main" id="{6416C1B3-AD2F-94ED-08FE-73EB9D9394AA}"/>
-              </a:ext>
-            </a:extLst>
-          </p:cNvPr>
-          <p:cNvSpPr>
-            <a:spLocks noGrp="1"/>
-          </p:cNvSpPr>
-          <p:nvPr>
-            <p:ph type="dt" sz="half" idx="10"/>
-          </p:nvPr>
-        </p:nvSpPr>
-        <p:spPr/>
-        <p:txBody>
-          <a:bodyPr/>
-          <a:lstStyle/>
-          <a:p>
-            <a:r>
-              <a:rPr lang="en-US"/>
-              <a:t>Fall 2023</a:t>
-            </a:r>
-            <a:endParaRPr lang="en-US" dirty="0"/>
-          </a:p>
-        </p:txBody>
-      </p:sp>
-      <p:sp>
-        <p:nvSpPr>
-          <p:cNvPr id="5" name="Footer Placeholder 4">
-            <a:extLst>
-              <a:ext uri="{FF2B5EF4-FFF2-40B4-BE49-F238E27FC236}">
-                <a16:creationId xmlns:a16="http://schemas.microsoft.com/office/drawing/2014/main" id="{6A3B92C5-753A-31FD-4325-D265D2C9AFE6}"/>
-              </a:ext>
-            </a:extLst>
-          </p:cNvPr>
-          <p:cNvSpPr>
-            <a:spLocks noGrp="1"/>
-          </p:cNvSpPr>
-          <p:nvPr>
-            <p:ph type="ftr" sz="quarter" idx="11"/>
-          </p:nvPr>
-        </p:nvSpPr>
-        <p:spPr/>
-        <p:txBody>
-          <a:bodyPr/>
-          <a:lstStyle/>
-          <a:p>
-            <a:r>
-              <a:rPr lang="en-US"/>
-              <a:t>DEPARTMENT OF BUSINESS &amp; ECONOMICS</a:t>
-            </a:r>
-            <a:endParaRPr lang="en-US" dirty="0"/>
-          </a:p>
-        </p:txBody>
-      </p:sp>
-      <p:sp>
-        <p:nvSpPr>
-          <p:cNvPr id="6" name="Slide Number Placeholder 5">
-            <a:extLst>
-              <a:ext uri="{FF2B5EF4-FFF2-40B4-BE49-F238E27FC236}">
-                <a16:creationId xmlns:a16="http://schemas.microsoft.com/office/drawing/2014/main" id="{7012C691-6ADD-ED94-3DA2-905038385B1B}"/>
-              </a:ext>
-            </a:extLst>
-          </p:cNvPr>
-          <p:cNvSpPr>
-            <a:spLocks noGrp="1"/>
-          </p:cNvSpPr>
-          <p:nvPr>
-            <p:ph type="sldNum" sz="quarter" idx="12"/>
-          </p:nvPr>
-        </p:nvSpPr>
-        <p:spPr/>
-        <p:txBody>
-          <a:bodyPr/>
-          <a:lstStyle/>
-          <a:p>
-            <a:fld id="{1A980C56-831A-4EAB-9EDE-57C090F4F877}" type="slidenum">
-              <a:rPr lang="en-US" smtClean="0"/>
-              <a:t>3</a:t>
-            </a:fld>
-            <a:endParaRPr lang="en-US" dirty="0"/>
-          </a:p>
-        </p:txBody>
-      </p:sp>
-    </p:spTree>
-    <p:extLst>
-      <p:ext uri="{BB962C8B-B14F-4D97-AF65-F5344CB8AC3E}">
-        <p14:creationId xmlns:p14="http://schemas.microsoft.com/office/powerpoint/2010/main" val="1695459745"/>
-      </p:ext>
-    </p:extLst>
-  </p:cSld>
-  <p:clrMapOvr>
-    <a:masterClrMapping/>
-  </p:clrMapOvr>
-  <p:timing>
-    <p:tnLst>
-      <p:par>
-        <p:cTn id="1" dur="indefinite" restart="never" nodeType="tmRoot">
-          <p:childTnLst>
-            <p:seq concurrent="1" nextAc="seek">
-              <p:cTn id="2" dur="indefinite" nodeType="mainSeq">
-                <p:childTnLst>
-                  <p:par>
-                    <p:cTn id="3" fill="hold">
-                      <p:stCondLst>
-                        <p:cond delay="indefinite"/>
-                      </p:stCondLst>
-                      <p:childTnLst>
-                        <p:par>
-                          <p:cTn id="4" fill="hold">
-                            <p:stCondLst>
-                              <p:cond delay="0"/>
-                            </p:stCondLst>
-                            <p:childTnLst>
-                              <p:par>
-                                <p:cTn id="5" presetID="10" presetClass="entr" presetSubtype="0" fill="hold" nodeType="clickEffect">
-                                  <p:stCondLst>
-                                    <p:cond delay="0"/>
-                                  </p:stCondLst>
-                                  <p:childTnLst>
-                                    <p:set>
-                                      <p:cBhvr>
-                                        <p:cTn id="6" dur="1" fill="hold">
-                                          <p:stCondLst>
-                                            <p:cond delay="0"/>
-                                          </p:stCondLst>
-                                        </p:cTn>
-                                        <p:tgtEl>
-                                          <p:spTgt spid="3">
-                                            <p:txEl>
-                                              <p:pRg st="0" end="0"/>
-                                            </p:txEl>
-                                          </p:spTgt>
-                                        </p:tgtEl>
-                                        <p:attrNameLst>
-                                          <p:attrName>style.visibility</p:attrName>
-                                        </p:attrNameLst>
-                                      </p:cBhvr>
-                                      <p:to>
-                                        <p:strVal val="visible"/>
-                                      </p:to>
-                                    </p:set>
-                                    <p:animEffect transition="in" filter="fade">
-                                      <p:cBhvr>
-                                        <p:cTn id="7" dur="500"/>
-                                        <p:tgtEl>
-                                          <p:spTgt spid="3">
-                                            <p:txEl>
-                                              <p:pRg st="0" end="0"/>
-                                            </p:txEl>
-                                          </p:spTgt>
-                                        </p:tgtEl>
-                                      </p:cBhvr>
-                                    </p:animEffect>
-                                  </p:childTnLst>
-                                </p:cTn>
-                              </p:par>
-                            </p:childTnLst>
-                          </p:cTn>
-                        </p:par>
-                      </p:childTnLst>
-                    </p:cTn>
-                  </p:par>
-                  <p:par>
-                    <p:cTn id="8" fill="hold">
-                      <p:stCondLst>
-                        <p:cond delay="indefinite"/>
-                      </p:stCondLst>
-                      <p:childTnLst>
-                        <p:par>
-                          <p:cTn id="9" fill="hold">
-                            <p:stCondLst>
-                              <p:cond delay="0"/>
-                            </p:stCondLst>
-                            <p:childTnLst>
-                              <p:par>
-                                <p:cTn id="10" presetID="10" presetClass="entr" presetSubtype="0" fill="hold" nodeType="clickEffect">
-                                  <p:stCondLst>
-                                    <p:cond delay="0"/>
-                                  </p:stCondLst>
-                                  <p:childTnLst>
-                                    <p:set>
-                                      <p:cBhvr>
-                                        <p:cTn id="11" dur="1" fill="hold">
-                                          <p:stCondLst>
-                                            <p:cond delay="0"/>
-                                          </p:stCondLst>
-                                        </p:cTn>
-                                        <p:tgtEl>
-                                          <p:spTgt spid="3">
-                                            <p:txEl>
-                                              <p:pRg st="2" end="2"/>
-                                            </p:txEl>
-                                          </p:spTgt>
-                                        </p:tgtEl>
-                                        <p:attrNameLst>
-                                          <p:attrName>style.visibility</p:attrName>
-                                        </p:attrNameLst>
-                                      </p:cBhvr>
-                                      <p:to>
-                                        <p:strVal val="visible"/>
-                                      </p:to>
-                                    </p:set>
-                                    <p:animEffect transition="in" filter="fade">
-                                      <p:cBhvr>
-                                        <p:cTn id="12" dur="500"/>
-                                        <p:tgtEl>
-                                          <p:spTgt spid="3">
-                                            <p:txEl>
-                                              <p:pRg st="2" end="2"/>
-                                            </p:txEl>
-                                          </p:spTgt>
-                                        </p:tgtEl>
-                                      </p:cBhvr>
-                                    </p:animEffect>
-                                  </p:childTnLst>
-                                </p:cTn>
-                              </p:par>
-                            </p:childTnLst>
-                          </p:cTn>
-                        </p:par>
-                      </p:childTnLst>
-                    </p:cTn>
-                  </p:par>
-                  <p:par>
-                    <p:cTn id="13" fill="hold">
-                      <p:stCondLst>
-                        <p:cond delay="indefinite"/>
-                      </p:stCondLst>
-                      <p:childTnLst>
-                        <p:par>
-                          <p:cTn id="14" fill="hold">
-                            <p:stCondLst>
-                              <p:cond delay="0"/>
-                            </p:stCondLst>
-                            <p:childTnLst>
-                              <p:par>
-                                <p:cTn id="15" presetID="10" presetClass="entr" presetSubtype="0" fill="hold" nodeType="clickEffect">
-                                  <p:stCondLst>
-                                    <p:cond delay="0"/>
-                                  </p:stCondLst>
-                                  <p:childTnLst>
-                                    <p:set>
-                                      <p:cBhvr>
-                                        <p:cTn id="16" dur="1" fill="hold">
-                                          <p:stCondLst>
-                                            <p:cond delay="0"/>
-                                          </p:stCondLst>
-                                        </p:cTn>
-                                        <p:tgtEl>
-                                          <p:spTgt spid="3">
-                                            <p:txEl>
-                                              <p:pRg st="4" end="4"/>
-                                            </p:txEl>
-                                          </p:spTgt>
-                                        </p:tgtEl>
-                                        <p:attrNameLst>
-                                          <p:attrName>style.visibility</p:attrName>
-                                        </p:attrNameLst>
-                                      </p:cBhvr>
-                                      <p:to>
-                                        <p:strVal val="visible"/>
-                                      </p:to>
-                                    </p:set>
-                                    <p:animEffect transition="in" filter="fade">
-                                      <p:cBhvr>
-                                        <p:cTn id="17" dur="500"/>
-                                        <p:tgtEl>
-                                          <p:spTgt spid="3">
-                                            <p:txEl>
-                                              <p:pRg st="4" end="4"/>
-                                            </p:txEl>
-                                          </p:spTgt>
-                                        </p:tgtEl>
-                                      </p:cBhvr>
-                                    </p:animEffect>
-                                  </p:childTnLst>
-                                </p:cTn>
-                              </p:par>
-                            </p:childTnLst>
-                          </p:cTn>
-                        </p:par>
-                      </p:childTnLst>
-                    </p:cTn>
-                  </p:par>
-                  <p:par>
-                    <p:cTn id="18" fill="hold">
-                      <p:stCondLst>
-                        <p:cond delay="indefinite"/>
-                      </p:stCondLst>
-                      <p:childTnLst>
-                        <p:par>
-                          <p:cTn id="19" fill="hold">
-                            <p:stCondLst>
-                              <p:cond delay="0"/>
-                            </p:stCondLst>
-                            <p:childTnLst>
-                              <p:par>
-                                <p:cTn id="20" presetID="10" presetClass="entr" presetSubtype="0" fill="hold" nodeType="clickEffect">
-                                  <p:stCondLst>
-                                    <p:cond delay="0"/>
-                                  </p:stCondLst>
-                                  <p:childTnLst>
-                                    <p:set>
-                                      <p:cBhvr>
-                                        <p:cTn id="21" dur="1" fill="hold">
-                                          <p:stCondLst>
-                                            <p:cond delay="0"/>
-                                          </p:stCondLst>
-                                        </p:cTn>
-                                        <p:tgtEl>
-                                          <p:spTgt spid="3">
-                                            <p:txEl>
-                                              <p:pRg st="6" end="6"/>
-                                            </p:txEl>
-                                          </p:spTgt>
-                                        </p:tgtEl>
-                                        <p:attrNameLst>
-                                          <p:attrName>style.visibility</p:attrName>
-                                        </p:attrNameLst>
-                                      </p:cBhvr>
-                                      <p:to>
-                                        <p:strVal val="visible"/>
-                                      </p:to>
-                                    </p:set>
-                                    <p:animEffect transition="in" filter="fade">
-                                      <p:cBhvr>
-                                        <p:cTn id="22" dur="500"/>
-                                        <p:tgtEl>
-                                          <p:spTgt spid="3">
-                                            <p:txEl>
-                                              <p:pRg st="6" end="6"/>
-                                            </p:txEl>
-                                          </p:spTgt>
-                                        </p:tgtEl>
-                                      </p:cBhvr>
-                                    </p:animEffect>
-                                  </p:childTnLst>
-                                </p:cTn>
-                              </p:par>
-                            </p:childTnLst>
-                          </p:cTn>
-                        </p:par>
-                      </p:childTnLst>
-                    </p:cTn>
-                  </p:par>
-                </p:childTnLst>
-              </p:cTn>
-              <p:prevCondLst>
-                <p:cond evt="onPrev" delay="0">
-                  <p:tgtEl>
-                    <p:sldTgt/>
-                  </p:tgtEl>
-                </p:cond>
-              </p:prevCondLst>
-              <p:nextCondLst>
-                <p:cond evt="onNext" delay="0">
-                  <p:tgtEl>
-                    <p:sldTgt/>
-                  </p:tgtEl>
-                </p:cond>
-              </p:nextCondLst>
-            </p:seq>
-          </p:childTnLst>
-        </p:cTn>
-      </p:par>
-    </p:tnLst>
-  </p:timing>
-</p:sld>
-</file>
-
-<file path=ppt/slides/slide30.xml><?xml version="1.0" encoding="utf-8"?>
+<file path=ppt/slides/slide29.xml><?xml version="1.0" encoding="utf-8"?>
 <p:sld xmlns:a="http://schemas.openxmlformats.org/drawingml/2006/main" xmlns:r="http://schemas.openxmlformats.org/officeDocument/2006/relationships" xmlns:p="http://schemas.openxmlformats.org/presentationml/2006/main">
   <p:cSld>
     <p:spTree>
@@ -22941,8 +21961,8 @@
           </a:p>
         </p:txBody>
       </p:sp>
-      <mc:AlternateContent xmlns:mc="http://schemas.openxmlformats.org/markup-compatibility/2006">
-        <mc:Choice xmlns:a14="http://schemas.microsoft.com/office/drawing/2010/main" Requires="a14">
+      <mc:AlternateContent xmlns:mc="http://schemas.openxmlformats.org/markup-compatibility/2006" xmlns:a14="http://schemas.microsoft.com/office/drawing/2010/main">
+        <mc:Choice Requires="a14">
           <p:sp>
             <p:nvSpPr>
               <p:cNvPr id="3" name="Content Placeholder 2">
@@ -23319,7 +22339,7 @@
             </p:txBody>
           </p:sp>
         </mc:Choice>
-        <mc:Fallback>
+        <mc:Fallback xmlns="">
           <p:sp>
             <p:nvSpPr>
               <p:cNvPr id="3" name="Content Placeholder 2">
@@ -23440,7 +22460,7 @@
           <a:p>
             <a:fld id="{1A980C56-831A-4EAB-9EDE-57C090F4F877}" type="slidenum">
               <a:rPr lang="en-US" smtClean="0"/>
-              <a:t>30</a:t>
+              <a:t>29</a:t>
             </a:fld>
             <a:endParaRPr lang="en-US" dirty="0"/>
           </a:p>
@@ -23844,7 +22864,486 @@
 </p:sld>
 </file>
 
-<file path=ppt/slides/slide31.xml><?xml version="1.0" encoding="utf-8"?>
+<file path=ppt/slides/slide3.xml><?xml version="1.0" encoding="utf-8"?>
+<p:sld xmlns:a="http://schemas.openxmlformats.org/drawingml/2006/main" xmlns:r="http://schemas.openxmlformats.org/officeDocument/2006/relationships" xmlns:p="http://schemas.openxmlformats.org/presentationml/2006/main">
+  <p:cSld>
+    <p:spTree>
+      <p:nvGrpSpPr>
+        <p:cNvPr id="1" name=""/>
+        <p:cNvGrpSpPr/>
+        <p:nvPr/>
+      </p:nvGrpSpPr>
+      <p:grpSpPr>
+        <a:xfrm>
+          <a:off x="0" y="0"/>
+          <a:ext cx="0" cy="0"/>
+          <a:chOff x="0" y="0"/>
+          <a:chExt cx="0" cy="0"/>
+        </a:xfrm>
+      </p:grpSpPr>
+      <p:sp>
+        <p:nvSpPr>
+          <p:cNvPr id="2" name="Title 1">
+            <a:extLst>
+              <a:ext uri="{FF2B5EF4-FFF2-40B4-BE49-F238E27FC236}">
+                <a16:creationId xmlns:a16="http://schemas.microsoft.com/office/drawing/2014/main" id="{1206D185-1E7B-895B-A0CD-D2AD49EFBE61}"/>
+              </a:ext>
+            </a:extLst>
+          </p:cNvPr>
+          <p:cNvSpPr>
+            <a:spLocks noGrp="1"/>
+          </p:cNvSpPr>
+          <p:nvPr>
+            <p:ph type="title"/>
+          </p:nvPr>
+        </p:nvSpPr>
+        <p:spPr/>
+        <p:txBody>
+          <a:bodyPr/>
+          <a:lstStyle/>
+          <a:p>
+            <a:r>
+              <a:rPr lang="en-US" dirty="0"/>
+              <a:t>Monopolistic Competition</a:t>
+            </a:r>
+          </a:p>
+        </p:txBody>
+      </p:sp>
+      <p:sp>
+        <p:nvSpPr>
+          <p:cNvPr id="3" name="Content Placeholder 2">
+            <a:extLst>
+              <a:ext uri="{FF2B5EF4-FFF2-40B4-BE49-F238E27FC236}">
+                <a16:creationId xmlns:a16="http://schemas.microsoft.com/office/drawing/2014/main" id="{92C7796F-19F0-FD06-D013-BC38DE87E310}"/>
+              </a:ext>
+            </a:extLst>
+          </p:cNvPr>
+          <p:cNvSpPr>
+            <a:spLocks noGrp="1"/>
+          </p:cNvSpPr>
+          <p:nvPr>
+            <p:ph idx="1"/>
+          </p:nvPr>
+        </p:nvSpPr>
+        <p:spPr/>
+        <p:txBody>
+          <a:bodyPr>
+            <a:normAutofit/>
+          </a:bodyPr>
+          <a:lstStyle/>
+          <a:p>
+            <a:r>
+              <a:rPr lang="en-US" dirty="0"/>
+              <a:t>The market power of individual firms exist to the extent that the consumers differentiate between the products.</a:t>
+            </a:r>
+          </a:p>
+          <a:p>
+            <a:pPr lvl="3"/>
+            <a:endParaRPr lang="en-US" dirty="0"/>
+          </a:p>
+          <a:p>
+            <a:r>
+              <a:rPr lang="en-US" dirty="0"/>
+              <a:t>If consumers believe that a firm’s product is different from its competitors, that firm will face a downward sloping demand curve.</a:t>
+            </a:r>
+          </a:p>
+          <a:p>
+            <a:pPr lvl="3"/>
+            <a:endParaRPr lang="en-US" dirty="0"/>
+          </a:p>
+          <a:p>
+            <a:r>
+              <a:rPr lang="en-US" dirty="0"/>
+              <a:t>When consumers believe that one firm’s product is more “differentiated,” the demand will be less elastic, and the firm will wield greater market power.</a:t>
+            </a:r>
+          </a:p>
+          <a:p>
+            <a:pPr lvl="3"/>
+            <a:endParaRPr lang="en-US" dirty="0"/>
+          </a:p>
+          <a:p>
+            <a:r>
+              <a:rPr lang="en-US" dirty="0"/>
+              <a:t>If you are running a firm with a differentiated product…</a:t>
+            </a:r>
+          </a:p>
+        </p:txBody>
+      </p:sp>
+      <p:sp>
+        <p:nvSpPr>
+          <p:cNvPr id="4" name="Date Placeholder 3">
+            <a:extLst>
+              <a:ext uri="{FF2B5EF4-FFF2-40B4-BE49-F238E27FC236}">
+                <a16:creationId xmlns:a16="http://schemas.microsoft.com/office/drawing/2014/main" id="{6416C1B3-AD2F-94ED-08FE-73EB9D9394AA}"/>
+              </a:ext>
+            </a:extLst>
+          </p:cNvPr>
+          <p:cNvSpPr>
+            <a:spLocks noGrp="1"/>
+          </p:cNvSpPr>
+          <p:nvPr>
+            <p:ph type="dt" sz="half" idx="10"/>
+          </p:nvPr>
+        </p:nvSpPr>
+        <p:spPr/>
+        <p:txBody>
+          <a:bodyPr/>
+          <a:lstStyle/>
+          <a:p>
+            <a:r>
+              <a:rPr lang="en-US"/>
+              <a:t>Fall 2023</a:t>
+            </a:r>
+            <a:endParaRPr lang="en-US" dirty="0"/>
+          </a:p>
+        </p:txBody>
+      </p:sp>
+      <p:sp>
+        <p:nvSpPr>
+          <p:cNvPr id="5" name="Footer Placeholder 4">
+            <a:extLst>
+              <a:ext uri="{FF2B5EF4-FFF2-40B4-BE49-F238E27FC236}">
+                <a16:creationId xmlns:a16="http://schemas.microsoft.com/office/drawing/2014/main" id="{6A3B92C5-753A-31FD-4325-D265D2C9AFE6}"/>
+              </a:ext>
+            </a:extLst>
+          </p:cNvPr>
+          <p:cNvSpPr>
+            <a:spLocks noGrp="1"/>
+          </p:cNvSpPr>
+          <p:nvPr>
+            <p:ph type="ftr" sz="quarter" idx="11"/>
+          </p:nvPr>
+        </p:nvSpPr>
+        <p:spPr/>
+        <p:txBody>
+          <a:bodyPr/>
+          <a:lstStyle/>
+          <a:p>
+            <a:r>
+              <a:rPr lang="en-US"/>
+              <a:t>DEPARTMENT OF BUSINESS &amp; ECONOMICS</a:t>
+            </a:r>
+            <a:endParaRPr lang="en-US" dirty="0"/>
+          </a:p>
+        </p:txBody>
+      </p:sp>
+      <p:sp>
+        <p:nvSpPr>
+          <p:cNvPr id="6" name="Slide Number Placeholder 5">
+            <a:extLst>
+              <a:ext uri="{FF2B5EF4-FFF2-40B4-BE49-F238E27FC236}">
+                <a16:creationId xmlns:a16="http://schemas.microsoft.com/office/drawing/2014/main" id="{7012C691-6ADD-ED94-3DA2-905038385B1B}"/>
+              </a:ext>
+            </a:extLst>
+          </p:cNvPr>
+          <p:cNvSpPr>
+            <a:spLocks noGrp="1"/>
+          </p:cNvSpPr>
+          <p:nvPr>
+            <p:ph type="sldNum" sz="quarter" idx="12"/>
+          </p:nvPr>
+        </p:nvSpPr>
+        <p:spPr/>
+        <p:txBody>
+          <a:bodyPr/>
+          <a:lstStyle/>
+          <a:p>
+            <a:fld id="{1A980C56-831A-4EAB-9EDE-57C090F4F877}" type="slidenum">
+              <a:rPr lang="en-US" smtClean="0"/>
+              <a:t>3</a:t>
+            </a:fld>
+            <a:endParaRPr lang="en-US" dirty="0"/>
+          </a:p>
+        </p:txBody>
+      </p:sp>
+    </p:spTree>
+    <p:extLst>
+      <p:ext uri="{BB962C8B-B14F-4D97-AF65-F5344CB8AC3E}">
+        <p14:creationId xmlns:p14="http://schemas.microsoft.com/office/powerpoint/2010/main" val="1695459745"/>
+      </p:ext>
+    </p:extLst>
+  </p:cSld>
+  <p:clrMapOvr>
+    <a:masterClrMapping/>
+  </p:clrMapOvr>
+  <p:timing>
+    <p:tnLst>
+      <p:par>
+        <p:cTn id="1" dur="indefinite" restart="never" nodeType="tmRoot">
+          <p:childTnLst>
+            <p:seq concurrent="1" nextAc="seek">
+              <p:cTn id="2" dur="indefinite" nodeType="mainSeq">
+                <p:childTnLst>
+                  <p:par>
+                    <p:cTn id="3" fill="hold">
+                      <p:stCondLst>
+                        <p:cond delay="indefinite"/>
+                      </p:stCondLst>
+                      <p:childTnLst>
+                        <p:par>
+                          <p:cTn id="4" fill="hold">
+                            <p:stCondLst>
+                              <p:cond delay="0"/>
+                            </p:stCondLst>
+                            <p:childTnLst>
+                              <p:par>
+                                <p:cTn id="5" presetID="10" presetClass="entr" presetSubtype="0" fill="hold" nodeType="clickEffect">
+                                  <p:stCondLst>
+                                    <p:cond delay="0"/>
+                                  </p:stCondLst>
+                                  <p:childTnLst>
+                                    <p:set>
+                                      <p:cBhvr>
+                                        <p:cTn id="6" dur="1" fill="hold">
+                                          <p:stCondLst>
+                                            <p:cond delay="0"/>
+                                          </p:stCondLst>
+                                        </p:cTn>
+                                        <p:tgtEl>
+                                          <p:spTgt spid="3">
+                                            <p:txEl>
+                                              <p:pRg st="0" end="0"/>
+                                            </p:txEl>
+                                          </p:spTgt>
+                                        </p:tgtEl>
+                                        <p:attrNameLst>
+                                          <p:attrName>style.visibility</p:attrName>
+                                        </p:attrNameLst>
+                                      </p:cBhvr>
+                                      <p:to>
+                                        <p:strVal val="visible"/>
+                                      </p:to>
+                                    </p:set>
+                                    <p:animEffect transition="in" filter="fade">
+                                      <p:cBhvr>
+                                        <p:cTn id="7" dur="500"/>
+                                        <p:tgtEl>
+                                          <p:spTgt spid="3">
+                                            <p:txEl>
+                                              <p:pRg st="0" end="0"/>
+                                            </p:txEl>
+                                          </p:spTgt>
+                                        </p:tgtEl>
+                                      </p:cBhvr>
+                                    </p:animEffect>
+                                  </p:childTnLst>
+                                </p:cTn>
+                              </p:par>
+                            </p:childTnLst>
+                          </p:cTn>
+                        </p:par>
+                      </p:childTnLst>
+                    </p:cTn>
+                  </p:par>
+                  <p:par>
+                    <p:cTn id="8" fill="hold">
+                      <p:stCondLst>
+                        <p:cond delay="indefinite"/>
+                      </p:stCondLst>
+                      <p:childTnLst>
+                        <p:par>
+                          <p:cTn id="9" fill="hold">
+                            <p:stCondLst>
+                              <p:cond delay="0"/>
+                            </p:stCondLst>
+                            <p:childTnLst>
+                              <p:par>
+                                <p:cTn id="10" presetID="10" presetClass="entr" presetSubtype="0" fill="hold" nodeType="clickEffect">
+                                  <p:stCondLst>
+                                    <p:cond delay="0"/>
+                                  </p:stCondLst>
+                                  <p:childTnLst>
+                                    <p:set>
+                                      <p:cBhvr>
+                                        <p:cTn id="11" dur="1" fill="hold">
+                                          <p:stCondLst>
+                                            <p:cond delay="0"/>
+                                          </p:stCondLst>
+                                        </p:cTn>
+                                        <p:tgtEl>
+                                          <p:spTgt spid="3">
+                                            <p:txEl>
+                                              <p:pRg st="2" end="2"/>
+                                            </p:txEl>
+                                          </p:spTgt>
+                                        </p:tgtEl>
+                                        <p:attrNameLst>
+                                          <p:attrName>style.visibility</p:attrName>
+                                        </p:attrNameLst>
+                                      </p:cBhvr>
+                                      <p:to>
+                                        <p:strVal val="visible"/>
+                                      </p:to>
+                                    </p:set>
+                                    <p:animEffect transition="in" filter="fade">
+                                      <p:cBhvr>
+                                        <p:cTn id="12" dur="500"/>
+                                        <p:tgtEl>
+                                          <p:spTgt spid="3">
+                                            <p:txEl>
+                                              <p:pRg st="2" end="2"/>
+                                            </p:txEl>
+                                          </p:spTgt>
+                                        </p:tgtEl>
+                                      </p:cBhvr>
+                                    </p:animEffect>
+                                  </p:childTnLst>
+                                </p:cTn>
+                              </p:par>
+                            </p:childTnLst>
+                          </p:cTn>
+                        </p:par>
+                      </p:childTnLst>
+                    </p:cTn>
+                  </p:par>
+                  <p:par>
+                    <p:cTn id="13" fill="hold">
+                      <p:stCondLst>
+                        <p:cond delay="indefinite"/>
+                      </p:stCondLst>
+                      <p:childTnLst>
+                        <p:par>
+                          <p:cTn id="14" fill="hold">
+                            <p:stCondLst>
+                              <p:cond delay="0"/>
+                            </p:stCondLst>
+                            <p:childTnLst>
+                              <p:par>
+                                <p:cTn id="15" presetID="10" presetClass="entr" presetSubtype="0" fill="hold" nodeType="clickEffect">
+                                  <p:stCondLst>
+                                    <p:cond delay="0"/>
+                                  </p:stCondLst>
+                                  <p:childTnLst>
+                                    <p:set>
+                                      <p:cBhvr>
+                                        <p:cTn id="16" dur="1" fill="hold">
+                                          <p:stCondLst>
+                                            <p:cond delay="0"/>
+                                          </p:stCondLst>
+                                        </p:cTn>
+                                        <p:tgtEl>
+                                          <p:spTgt spid="3">
+                                            <p:txEl>
+                                              <p:pRg st="4" end="4"/>
+                                            </p:txEl>
+                                          </p:spTgt>
+                                        </p:tgtEl>
+                                        <p:attrNameLst>
+                                          <p:attrName>style.visibility</p:attrName>
+                                        </p:attrNameLst>
+                                      </p:cBhvr>
+                                      <p:to>
+                                        <p:strVal val="visible"/>
+                                      </p:to>
+                                    </p:set>
+                                    <p:animEffect transition="in" filter="fade">
+                                      <p:cBhvr>
+                                        <p:cTn id="17" dur="500"/>
+                                        <p:tgtEl>
+                                          <p:spTgt spid="3">
+                                            <p:txEl>
+                                              <p:pRg st="4" end="4"/>
+                                            </p:txEl>
+                                          </p:spTgt>
+                                        </p:tgtEl>
+                                      </p:cBhvr>
+                                    </p:animEffect>
+                                  </p:childTnLst>
+                                </p:cTn>
+                              </p:par>
+                            </p:childTnLst>
+                          </p:cTn>
+                        </p:par>
+                      </p:childTnLst>
+                    </p:cTn>
+                  </p:par>
+                  <p:par>
+                    <p:cTn id="18" fill="hold">
+                      <p:stCondLst>
+                        <p:cond delay="indefinite"/>
+                      </p:stCondLst>
+                      <p:childTnLst>
+                        <p:par>
+                          <p:cTn id="19" fill="hold">
+                            <p:stCondLst>
+                              <p:cond delay="0"/>
+                            </p:stCondLst>
+                            <p:childTnLst>
+                              <p:par>
+                                <p:cTn id="20" presetID="10" presetClass="entr" presetSubtype="0" fill="hold" nodeType="clickEffect">
+                                  <p:stCondLst>
+                                    <p:cond delay="0"/>
+                                  </p:stCondLst>
+                                  <p:childTnLst>
+                                    <p:set>
+                                      <p:cBhvr>
+                                        <p:cTn id="21" dur="1" fill="hold">
+                                          <p:stCondLst>
+                                            <p:cond delay="0"/>
+                                          </p:stCondLst>
+                                        </p:cTn>
+                                        <p:tgtEl>
+                                          <p:spTgt spid="3">
+                                            <p:txEl>
+                                              <p:pRg st="6" end="6"/>
+                                            </p:txEl>
+                                          </p:spTgt>
+                                        </p:tgtEl>
+                                        <p:attrNameLst>
+                                          <p:attrName>style.visibility</p:attrName>
+                                        </p:attrNameLst>
+                                      </p:cBhvr>
+                                      <p:to>
+                                        <p:strVal val="visible"/>
+                                      </p:to>
+                                    </p:set>
+                                    <p:animEffect transition="in" filter="fade">
+                                      <p:cBhvr>
+                                        <p:cTn id="22" dur="500"/>
+                                        <p:tgtEl>
+                                          <p:spTgt spid="3">
+                                            <p:txEl>
+                                              <p:pRg st="6" end="6"/>
+                                            </p:txEl>
+                                          </p:spTgt>
+                                        </p:tgtEl>
+                                      </p:cBhvr>
+                                    </p:animEffect>
+                                  </p:childTnLst>
+                                </p:cTn>
+                              </p:par>
+                            </p:childTnLst>
+                          </p:cTn>
+                        </p:par>
+                      </p:childTnLst>
+                    </p:cTn>
+                  </p:par>
+                </p:childTnLst>
+              </p:cTn>
+              <p:prevCondLst>
+                <p:cond evt="onPrev" delay="0">
+                  <p:tgtEl>
+                    <p:sldTgt/>
+                  </p:tgtEl>
+                </p:cond>
+              </p:prevCondLst>
+              <p:nextCondLst>
+                <p:cond evt="onNext" delay="0">
+                  <p:tgtEl>
+                    <p:sldTgt/>
+                  </p:tgtEl>
+                </p:cond>
+              </p:nextCondLst>
+            </p:seq>
+          </p:childTnLst>
+        </p:cTn>
+      </p:par>
+    </p:tnLst>
+  </p:timing>
+</p:sld>
+</file>
+
+<file path=ppt/slides/slide30.xml><?xml version="1.0" encoding="utf-8"?>
 <p:sld xmlns:a="http://schemas.openxmlformats.org/drawingml/2006/main" xmlns:r="http://schemas.openxmlformats.org/officeDocument/2006/relationships" xmlns:p="http://schemas.openxmlformats.org/presentationml/2006/main">
   <p:cSld>
     <p:spTree>
@@ -23889,8 +23388,8 @@
           </a:p>
         </p:txBody>
       </p:sp>
-      <mc:AlternateContent xmlns:mc="http://schemas.openxmlformats.org/markup-compatibility/2006">
-        <mc:Choice xmlns:a14="http://schemas.microsoft.com/office/drawing/2010/main" Requires="a14">
+      <mc:AlternateContent xmlns:mc="http://schemas.openxmlformats.org/markup-compatibility/2006" xmlns:a14="http://schemas.microsoft.com/office/drawing/2010/main">
+        <mc:Choice Requires="a14">
           <p:sp>
             <p:nvSpPr>
               <p:cNvPr id="3" name="Content Placeholder 2">
@@ -24303,7 +23802,7 @@
             </p:txBody>
           </p:sp>
         </mc:Choice>
-        <mc:Fallback>
+        <mc:Fallback xmlns="">
           <p:sp>
             <p:nvSpPr>
               <p:cNvPr id="3" name="Content Placeholder 2">
@@ -24424,7 +23923,7 @@
           <a:p>
             <a:fld id="{1A980C56-831A-4EAB-9EDE-57C090F4F877}" type="slidenum">
               <a:rPr lang="en-US" smtClean="0"/>
-              <a:t>31</a:t>
+              <a:t>30</a:t>
             </a:fld>
             <a:endParaRPr lang="en-US" dirty="0"/>
           </a:p>
@@ -24595,7 +24094,7 @@
 </p:sld>
 </file>
 
-<file path=ppt/slides/slide32.xml><?xml version="1.0" encoding="utf-8"?>
+<file path=ppt/slides/slide31.xml><?xml version="1.0" encoding="utf-8"?>
 <p:sld xmlns:a="http://schemas.openxmlformats.org/drawingml/2006/main" xmlns:r="http://schemas.openxmlformats.org/officeDocument/2006/relationships" xmlns:p="http://schemas.openxmlformats.org/presentationml/2006/main">
   <p:cSld>
     <p:spTree>
@@ -24640,8 +24139,8 @@
           </a:p>
         </p:txBody>
       </p:sp>
-      <mc:AlternateContent xmlns:mc="http://schemas.openxmlformats.org/markup-compatibility/2006">
-        <mc:Choice xmlns:a14="http://schemas.microsoft.com/office/drawing/2010/main" Requires="a14">
+      <mc:AlternateContent xmlns:mc="http://schemas.openxmlformats.org/markup-compatibility/2006" xmlns:a14="http://schemas.microsoft.com/office/drawing/2010/main">
+        <mc:Choice Requires="a14">
           <p:sp>
             <p:nvSpPr>
               <p:cNvPr id="3" name="Content Placeholder 2">
@@ -25333,7 +24832,7 @@
             </p:txBody>
           </p:sp>
         </mc:Choice>
-        <mc:Fallback>
+        <mc:Fallback xmlns="">
           <p:sp>
             <p:nvSpPr>
               <p:cNvPr id="3" name="Content Placeholder 2">
@@ -25454,7 +24953,7 @@
           <a:p>
             <a:fld id="{1A980C56-831A-4EAB-9EDE-57C090F4F877}" type="slidenum">
               <a:rPr lang="en-US" smtClean="0"/>
-              <a:t>32</a:t>
+              <a:t>31</a:t>
             </a:fld>
             <a:endParaRPr lang="en-US" dirty="0"/>
           </a:p>
@@ -25711,7 +25210,7 @@
 </p:sld>
 </file>
 
-<file path=ppt/slides/slide33.xml><?xml version="1.0" encoding="utf-8"?>
+<file path=ppt/slides/slide32.xml><?xml version="1.0" encoding="utf-8"?>
 <p:sld xmlns:a="http://schemas.openxmlformats.org/drawingml/2006/main" xmlns:r="http://schemas.openxmlformats.org/officeDocument/2006/relationships" xmlns:p="http://schemas.openxmlformats.org/presentationml/2006/main">
   <p:cSld>
     <p:spTree>
@@ -25756,8 +25255,8 @@
           </a:p>
         </p:txBody>
       </p:sp>
-      <mc:AlternateContent xmlns:mc="http://schemas.openxmlformats.org/markup-compatibility/2006">
-        <mc:Choice xmlns:a14="http://schemas.microsoft.com/office/drawing/2010/main" Requires="a14">
+      <mc:AlternateContent xmlns:mc="http://schemas.openxmlformats.org/markup-compatibility/2006" xmlns:a14="http://schemas.microsoft.com/office/drawing/2010/main">
+        <mc:Choice Requires="a14">
           <p:sp>
             <p:nvSpPr>
               <p:cNvPr id="3" name="Content Placeholder 2">
@@ -26589,7 +26088,7 @@
             </p:txBody>
           </p:sp>
         </mc:Choice>
-        <mc:Fallback>
+        <mc:Fallback xmlns="">
           <p:sp>
             <p:nvSpPr>
               <p:cNvPr id="3" name="Content Placeholder 2">
@@ -26710,7 +26209,7 @@
           <a:p>
             <a:fld id="{1A980C56-831A-4EAB-9EDE-57C090F4F877}" type="slidenum">
               <a:rPr lang="en-US" smtClean="0"/>
-              <a:t>33</a:t>
+              <a:t>32</a:t>
             </a:fld>
             <a:endParaRPr lang="en-US" dirty="0"/>
           </a:p>
@@ -26967,7 +26466,7 @@
 </p:sld>
 </file>
 
-<file path=ppt/slides/slide34.xml><?xml version="1.0" encoding="utf-8"?>
+<file path=ppt/slides/slide33.xml><?xml version="1.0" encoding="utf-8"?>
 <p:sld xmlns:a="http://schemas.openxmlformats.org/drawingml/2006/main" xmlns:r="http://schemas.openxmlformats.org/officeDocument/2006/relationships" xmlns:p="http://schemas.openxmlformats.org/presentationml/2006/main">
   <p:cSld>
     <p:spTree>
@@ -27012,8 +26511,8 @@
           </a:p>
         </p:txBody>
       </p:sp>
-      <mc:AlternateContent xmlns:mc="http://schemas.openxmlformats.org/markup-compatibility/2006">
-        <mc:Choice xmlns:a14="http://schemas.microsoft.com/office/drawing/2010/main" Requires="a14">
+      <mc:AlternateContent xmlns:mc="http://schemas.openxmlformats.org/markup-compatibility/2006" xmlns:a14="http://schemas.microsoft.com/office/drawing/2010/main">
+        <mc:Choice Requires="a14">
           <p:sp>
             <p:nvSpPr>
               <p:cNvPr id="3" name="Content Placeholder 2">
@@ -27653,7 +27152,7 @@
             </p:txBody>
           </p:sp>
         </mc:Choice>
-        <mc:Fallback>
+        <mc:Fallback xmlns="">
           <p:sp>
             <p:nvSpPr>
               <p:cNvPr id="3" name="Content Placeholder 2">
@@ -27774,7 +27273,7 @@
           <a:p>
             <a:fld id="{1A980C56-831A-4EAB-9EDE-57C090F4F877}" type="slidenum">
               <a:rPr lang="en-US" smtClean="0"/>
-              <a:t>34</a:t>
+              <a:t>33</a:t>
             </a:fld>
             <a:endParaRPr lang="en-US" dirty="0"/>
           </a:p>
@@ -28031,7 +27530,7 @@
 </p:sld>
 </file>
 
-<file path=ppt/slides/slide35.xml><?xml version="1.0" encoding="utf-8"?>
+<file path=ppt/slides/slide34.xml><?xml version="1.0" encoding="utf-8"?>
 <p:sld xmlns:a="http://schemas.openxmlformats.org/drawingml/2006/main" xmlns:r="http://schemas.openxmlformats.org/officeDocument/2006/relationships" xmlns:p="http://schemas.openxmlformats.org/presentationml/2006/main">
   <p:cSld>
     <p:spTree>
@@ -28076,8 +27575,8 @@
           </a:p>
         </p:txBody>
       </p:sp>
-      <mc:AlternateContent xmlns:mc="http://schemas.openxmlformats.org/markup-compatibility/2006">
-        <mc:Choice xmlns:a14="http://schemas.microsoft.com/office/drawing/2010/main" Requires="a14">
+      <mc:AlternateContent xmlns:mc="http://schemas.openxmlformats.org/markup-compatibility/2006" xmlns:a14="http://schemas.microsoft.com/office/drawing/2010/main">
+        <mc:Choice Requires="a14">
           <p:sp>
             <p:nvSpPr>
               <p:cNvPr id="3" name="Content Placeholder 2">
@@ -28715,7 +28214,7 @@
             </p:txBody>
           </p:sp>
         </mc:Choice>
-        <mc:Fallback>
+        <mc:Fallback xmlns="">
           <p:sp>
             <p:nvSpPr>
               <p:cNvPr id="3" name="Content Placeholder 2">
@@ -28836,7 +28335,7 @@
           <a:p>
             <a:fld id="{1A980C56-831A-4EAB-9EDE-57C090F4F877}" type="slidenum">
               <a:rPr lang="en-US" smtClean="0"/>
-              <a:t>35</a:t>
+              <a:t>34</a:t>
             </a:fld>
             <a:endParaRPr lang="en-US" dirty="0"/>
           </a:p>
